--- a/lectures/2024_GNET749_Lecture2.pptx
+++ b/lectures/2024_GNET749_Lecture2.pptx
@@ -9,24 +9,24 @@
   </p:notesMasterIdLst>
   <p:sldIdLst>
     <p:sldId id="301" r:id="rId2"/>
-    <p:sldId id="317" r:id="rId3"/>
-    <p:sldId id="284" r:id="rId4"/>
-    <p:sldId id="285" r:id="rId5"/>
-    <p:sldId id="315" r:id="rId6"/>
-    <p:sldId id="286" r:id="rId7"/>
-    <p:sldId id="287" r:id="rId8"/>
-    <p:sldId id="302" r:id="rId9"/>
-    <p:sldId id="308" r:id="rId10"/>
-    <p:sldId id="306" r:id="rId11"/>
-    <p:sldId id="307" r:id="rId12"/>
-    <p:sldId id="304" r:id="rId13"/>
-    <p:sldId id="305" r:id="rId14"/>
-    <p:sldId id="309" r:id="rId15"/>
-    <p:sldId id="288" r:id="rId16"/>
-    <p:sldId id="303" r:id="rId17"/>
-    <p:sldId id="289" r:id="rId18"/>
-    <p:sldId id="290" r:id="rId19"/>
-    <p:sldId id="291" r:id="rId20"/>
+    <p:sldId id="284" r:id="rId3"/>
+    <p:sldId id="285" r:id="rId4"/>
+    <p:sldId id="315" r:id="rId5"/>
+    <p:sldId id="286" r:id="rId6"/>
+    <p:sldId id="287" r:id="rId7"/>
+    <p:sldId id="302" r:id="rId8"/>
+    <p:sldId id="308" r:id="rId9"/>
+    <p:sldId id="306" r:id="rId10"/>
+    <p:sldId id="307" r:id="rId11"/>
+    <p:sldId id="304" r:id="rId12"/>
+    <p:sldId id="305" r:id="rId13"/>
+    <p:sldId id="309" r:id="rId14"/>
+    <p:sldId id="288" r:id="rId15"/>
+    <p:sldId id="303" r:id="rId16"/>
+    <p:sldId id="289" r:id="rId17"/>
+    <p:sldId id="290" r:id="rId18"/>
+    <p:sldId id="291" r:id="rId19"/>
+    <p:sldId id="317" r:id="rId20"/>
     <p:sldId id="310" r:id="rId21"/>
     <p:sldId id="311" r:id="rId22"/>
     <p:sldId id="312" r:id="rId23"/>
@@ -4054,378 +4054,6 @@
       </p:sp>
       <p:sp>
         <p:nvSpPr>
-          <p:cNvPr id="5" name="TextBox 4">
-            <a:extLst>
-              <a:ext uri="{FF2B5EF4-FFF2-40B4-BE49-F238E27FC236}">
-                <a16:creationId xmlns:a16="http://schemas.microsoft.com/office/drawing/2014/main" id="{B79559C3-A22F-1230-70F5-89B6E2C4E39A}"/>
-              </a:ext>
-            </a:extLst>
-          </p:cNvPr>
-          <p:cNvSpPr txBox="1"/>
-          <p:nvPr/>
-        </p:nvSpPr>
-        <p:spPr>
-          <a:xfrm>
-            <a:off x="753650" y="1054274"/>
-            <a:ext cx="1515928" cy="369332"/>
-          </a:xfrm>
-          <a:prstGeom prst="rect">
-            <a:avLst/>
-          </a:prstGeom>
-          <a:noFill/>
-        </p:spPr>
-        <p:txBody>
-          <a:bodyPr wrap="none" rtlCol="0">
-            <a:spAutoFit/>
-          </a:bodyPr>
-          <a:lstStyle/>
-          <a:p>
-            <a:r>
-              <a:rPr lang="en-US" dirty="0" err="1"/>
-              <a:t>pivot_longer</a:t>
-            </a:r>
-            <a:r>
-              <a:rPr lang="en-US" dirty="0"/>
-              <a:t>()</a:t>
-            </a:r>
-          </a:p>
-        </p:txBody>
-      </p:sp>
-      <p:sp>
-        <p:nvSpPr>
-          <p:cNvPr id="7" name="TextBox 6">
-            <a:extLst>
-              <a:ext uri="{FF2B5EF4-FFF2-40B4-BE49-F238E27FC236}">
-                <a16:creationId xmlns:a16="http://schemas.microsoft.com/office/drawing/2014/main" id="{D45D8B8A-91FB-510E-E86D-3BBB80461A55}"/>
-              </a:ext>
-            </a:extLst>
-          </p:cNvPr>
-          <p:cNvSpPr txBox="1"/>
-          <p:nvPr/>
-        </p:nvSpPr>
-        <p:spPr>
-          <a:xfrm>
-            <a:off x="7733257" y="6194306"/>
-            <a:ext cx="6097044" cy="369332"/>
-          </a:xfrm>
-          <a:prstGeom prst="rect">
-            <a:avLst/>
-          </a:prstGeom>
-          <a:noFill/>
-        </p:spPr>
-        <p:txBody>
-          <a:bodyPr wrap="square">
-            <a:spAutoFit/>
-          </a:bodyPr>
-          <a:lstStyle/>
-          <a:p>
-            <a:r>
-              <a:rPr lang="en-US" dirty="0"/>
-              <a:t>https://</a:t>
-            </a:r>
-            <a:r>
-              <a:rPr lang="en-US" dirty="0" err="1"/>
-              <a:t>tidyr.tidyverse.org</a:t>
-            </a:r>
-            <a:r>
-              <a:rPr lang="en-US" dirty="0"/>
-              <a:t>/articles/</a:t>
-            </a:r>
-            <a:r>
-              <a:rPr lang="en-US" dirty="0" err="1"/>
-              <a:t>pivot.html</a:t>
-            </a:r>
-            <a:endParaRPr lang="en-US" dirty="0"/>
-          </a:p>
-        </p:txBody>
-      </p:sp>
-      <p:pic>
-        <p:nvPicPr>
-          <p:cNvPr id="8" name="Picture 7">
-            <a:extLst>
-              <a:ext uri="{FF2B5EF4-FFF2-40B4-BE49-F238E27FC236}">
-                <a16:creationId xmlns:a16="http://schemas.microsoft.com/office/drawing/2014/main" id="{127BA8B8-06AE-6E6A-8720-78F1858E5025}"/>
-              </a:ext>
-            </a:extLst>
-          </p:cNvPr>
-          <p:cNvPicPr>
-            <a:picLocks noChangeAspect="1"/>
-          </p:cNvPicPr>
-          <p:nvPr/>
-        </p:nvPicPr>
-        <p:blipFill>
-          <a:blip r:embed="rId2"/>
-          <a:stretch>
-            <a:fillRect/>
-          </a:stretch>
-        </p:blipFill>
-        <p:spPr>
-          <a:xfrm>
-            <a:off x="2591844" y="1100513"/>
-            <a:ext cx="7772400" cy="276853"/>
-          </a:xfrm>
-          <a:prstGeom prst="rect">
-            <a:avLst/>
-          </a:prstGeom>
-        </p:spPr>
-      </p:pic>
-      <p:pic>
-        <p:nvPicPr>
-          <p:cNvPr id="9" name="Picture 8">
-            <a:extLst>
-              <a:ext uri="{FF2B5EF4-FFF2-40B4-BE49-F238E27FC236}">
-                <a16:creationId xmlns:a16="http://schemas.microsoft.com/office/drawing/2014/main" id="{6E2F069F-068C-300C-AF56-3432AF4D767F}"/>
-              </a:ext>
-            </a:extLst>
-          </p:cNvPr>
-          <p:cNvPicPr>
-            <a:picLocks noChangeAspect="1"/>
-          </p:cNvPicPr>
-          <p:nvPr/>
-        </p:nvPicPr>
-        <p:blipFill>
-          <a:blip r:embed="rId3"/>
-          <a:stretch>
-            <a:fillRect/>
-          </a:stretch>
-        </p:blipFill>
-        <p:spPr>
-          <a:xfrm>
-            <a:off x="697108" y="1745292"/>
-            <a:ext cx="4612017" cy="2181618"/>
-          </a:xfrm>
-          <a:prstGeom prst="rect">
-            <a:avLst/>
-          </a:prstGeom>
-        </p:spPr>
-      </p:pic>
-      <p:pic>
-        <p:nvPicPr>
-          <p:cNvPr id="10" name="Picture 9">
-            <a:extLst>
-              <a:ext uri="{FF2B5EF4-FFF2-40B4-BE49-F238E27FC236}">
-                <a16:creationId xmlns:a16="http://schemas.microsoft.com/office/drawing/2014/main" id="{489A0044-0EA4-60BE-B9E6-980517DA0E47}"/>
-              </a:ext>
-            </a:extLst>
-          </p:cNvPr>
-          <p:cNvPicPr>
-            <a:picLocks noChangeAspect="1"/>
-          </p:cNvPicPr>
-          <p:nvPr/>
-        </p:nvPicPr>
-        <p:blipFill>
-          <a:blip r:embed="rId4"/>
-          <a:stretch>
-            <a:fillRect/>
-          </a:stretch>
-        </p:blipFill>
-        <p:spPr>
-          <a:xfrm>
-            <a:off x="6568858" y="1704419"/>
-            <a:ext cx="2080364" cy="2220706"/>
-          </a:xfrm>
-          <a:prstGeom prst="rect">
-            <a:avLst/>
-          </a:prstGeom>
-        </p:spPr>
-      </p:pic>
-      <p:sp>
-        <p:nvSpPr>
-          <p:cNvPr id="11" name="TextBox 10">
-            <a:extLst>
-              <a:ext uri="{FF2B5EF4-FFF2-40B4-BE49-F238E27FC236}">
-                <a16:creationId xmlns:a16="http://schemas.microsoft.com/office/drawing/2014/main" id="{E6A912FF-30D2-79B4-01F1-07C981BE9D8E}"/>
-              </a:ext>
-            </a:extLst>
-          </p:cNvPr>
-          <p:cNvSpPr txBox="1"/>
-          <p:nvPr/>
-        </p:nvSpPr>
-        <p:spPr>
-          <a:xfrm>
-            <a:off x="594986" y="4294836"/>
-            <a:ext cx="4576959" cy="369332"/>
-          </a:xfrm>
-          <a:prstGeom prst="rect">
-            <a:avLst/>
-          </a:prstGeom>
-          <a:noFill/>
-        </p:spPr>
-        <p:txBody>
-          <a:bodyPr wrap="none" rtlCol="0">
-            <a:spAutoFit/>
-          </a:bodyPr>
-          <a:lstStyle/>
-          <a:p>
-            <a:r>
-              <a:rPr lang="en-US" dirty="0"/>
-              <a:t>More useful if you want to plot length vs width</a:t>
-            </a:r>
-          </a:p>
-        </p:txBody>
-      </p:sp>
-      <p:sp>
-        <p:nvSpPr>
-          <p:cNvPr id="13" name="TextBox 12">
-            <a:extLst>
-              <a:ext uri="{FF2B5EF4-FFF2-40B4-BE49-F238E27FC236}">
-                <a16:creationId xmlns:a16="http://schemas.microsoft.com/office/drawing/2014/main" id="{5E2DCCF8-1717-F444-955C-F62097346BEF}"/>
-              </a:ext>
-            </a:extLst>
-          </p:cNvPr>
-          <p:cNvSpPr txBox="1"/>
-          <p:nvPr/>
-        </p:nvSpPr>
-        <p:spPr>
-          <a:xfrm>
-            <a:off x="6330864" y="3981046"/>
-            <a:ext cx="5194948" cy="369332"/>
-          </a:xfrm>
-          <a:prstGeom prst="rect">
-            <a:avLst/>
-          </a:prstGeom>
-          <a:noFill/>
-        </p:spPr>
-        <p:txBody>
-          <a:bodyPr wrap="none" rtlCol="0">
-            <a:spAutoFit/>
-          </a:bodyPr>
-          <a:lstStyle/>
-          <a:p>
-            <a:r>
-              <a:rPr lang="en-US" dirty="0"/>
-              <a:t>More useful if you want to plot all attributes together</a:t>
-            </a:r>
-          </a:p>
-        </p:txBody>
-      </p:sp>
-      <p:pic>
-        <p:nvPicPr>
-          <p:cNvPr id="14" name="Picture 13">
-            <a:extLst>
-              <a:ext uri="{FF2B5EF4-FFF2-40B4-BE49-F238E27FC236}">
-                <a16:creationId xmlns:a16="http://schemas.microsoft.com/office/drawing/2014/main" id="{F9D1E1A7-24D9-1564-6745-23EBC52DBF63}"/>
-              </a:ext>
-            </a:extLst>
-          </p:cNvPr>
-          <p:cNvPicPr>
-            <a:picLocks noChangeAspect="1"/>
-          </p:cNvPicPr>
-          <p:nvPr/>
-        </p:nvPicPr>
-        <p:blipFill>
-          <a:blip r:embed="rId5"/>
-          <a:stretch>
-            <a:fillRect/>
-          </a:stretch>
-        </p:blipFill>
-        <p:spPr>
-          <a:xfrm>
-            <a:off x="1429340" y="4766961"/>
-            <a:ext cx="1797778" cy="1997136"/>
-          </a:xfrm>
-          <a:prstGeom prst="rect">
-            <a:avLst/>
-          </a:prstGeom>
-        </p:spPr>
-      </p:pic>
-      <p:pic>
-        <p:nvPicPr>
-          <p:cNvPr id="15" name="Picture 14">
-            <a:extLst>
-              <a:ext uri="{FF2B5EF4-FFF2-40B4-BE49-F238E27FC236}">
-                <a16:creationId xmlns:a16="http://schemas.microsoft.com/office/drawing/2014/main" id="{37AABA38-6352-FF7A-A86F-B49D58CF2110}"/>
-              </a:ext>
-            </a:extLst>
-          </p:cNvPr>
-          <p:cNvPicPr>
-            <a:picLocks noChangeAspect="1"/>
-          </p:cNvPicPr>
-          <p:nvPr/>
-        </p:nvPicPr>
-        <p:blipFill>
-          <a:blip r:embed="rId6"/>
-          <a:stretch>
-            <a:fillRect/>
-          </a:stretch>
-        </p:blipFill>
-        <p:spPr>
-          <a:xfrm>
-            <a:off x="5840849" y="4406299"/>
-            <a:ext cx="1892408" cy="2095279"/>
-          </a:xfrm>
-          <a:prstGeom prst="rect">
-            <a:avLst/>
-          </a:prstGeom>
-        </p:spPr>
-      </p:pic>
-    </p:spTree>
-    <p:extLst>
-      <p:ext uri="{BB962C8B-B14F-4D97-AF65-F5344CB8AC3E}">
-        <p14:creationId xmlns:p14="http://schemas.microsoft.com/office/powerpoint/2010/main" val="1766242288"/>
-      </p:ext>
-    </p:extLst>
-  </p:cSld>
-  <p:clrMapOvr>
-    <a:masterClrMapping/>
-  </p:clrMapOvr>
-</p:sld>
-</file>
-
-<file path=ppt/slides/slide11.xml><?xml version="1.0" encoding="utf-8"?>
-<p:sld xmlns:a="http://schemas.openxmlformats.org/drawingml/2006/main" xmlns:r="http://schemas.openxmlformats.org/officeDocument/2006/relationships" xmlns:p="http://schemas.openxmlformats.org/presentationml/2006/main">
-  <p:cSld>
-    <p:spTree>
-      <p:nvGrpSpPr>
-        <p:cNvPr id="1" name=""/>
-        <p:cNvGrpSpPr/>
-        <p:nvPr/>
-      </p:nvGrpSpPr>
-      <p:grpSpPr>
-        <a:xfrm>
-          <a:off x="0" y="0"/>
-          <a:ext cx="0" cy="0"/>
-          <a:chOff x="0" y="0"/>
-          <a:chExt cx="0" cy="0"/>
-        </a:xfrm>
-      </p:grpSpPr>
-      <p:sp>
-        <p:nvSpPr>
-          <p:cNvPr id="2" name="TextBox 1">
-            <a:extLst>
-              <a:ext uri="{FF2B5EF4-FFF2-40B4-BE49-F238E27FC236}">
-                <a16:creationId xmlns:a16="http://schemas.microsoft.com/office/drawing/2014/main" id="{EE808F59-D6A1-6EC7-8215-A1414DD3D939}"/>
-              </a:ext>
-            </a:extLst>
-          </p:cNvPr>
-          <p:cNvSpPr txBox="1"/>
-          <p:nvPr/>
-        </p:nvSpPr>
-        <p:spPr>
-          <a:xfrm>
-            <a:off x="4008329" y="294362"/>
-            <a:ext cx="4416274" cy="369332"/>
-          </a:xfrm>
-          <a:prstGeom prst="rect">
-            <a:avLst/>
-          </a:prstGeom>
-          <a:noFill/>
-        </p:spPr>
-        <p:txBody>
-          <a:bodyPr wrap="none" rtlCol="0">
-            <a:spAutoFit/>
-          </a:bodyPr>
-          <a:lstStyle/>
-          <a:p>
-            <a:r>
-              <a:rPr lang="en-US" dirty="0"/>
-              <a:t>Converting between wide and long formats </a:t>
-            </a:r>
-          </a:p>
-        </p:txBody>
-      </p:sp>
-      <p:sp>
-        <p:nvSpPr>
           <p:cNvPr id="3" name="TextBox 2">
             <a:extLst>
               <a:ext uri="{FF2B5EF4-FFF2-40B4-BE49-F238E27FC236}">
@@ -4753,7 +4381,7 @@
 </p:sld>
 </file>
 
-<file path=ppt/slides/slide12.xml><?xml version="1.0" encoding="utf-8"?>
+<file path=ppt/slides/slide11.xml><?xml version="1.0" encoding="utf-8"?>
 <p:sld xmlns:a="http://schemas.openxmlformats.org/drawingml/2006/main" xmlns:r="http://schemas.openxmlformats.org/officeDocument/2006/relationships" xmlns:p="http://schemas.openxmlformats.org/presentationml/2006/main">
   <p:cSld>
     <p:spTree>
@@ -5193,7 +4821,7 @@
 </p:sld>
 </file>
 
-<file path=ppt/slides/slide13.xml><?xml version="1.0" encoding="utf-8"?>
+<file path=ppt/slides/slide12.xml><?xml version="1.0" encoding="utf-8"?>
 <p:sld xmlns:a="http://schemas.openxmlformats.org/drawingml/2006/main" xmlns:r="http://schemas.openxmlformats.org/officeDocument/2006/relationships" xmlns:p="http://schemas.openxmlformats.org/presentationml/2006/main">
   <p:cSld>
     <p:spTree>
@@ -5694,6 +5322,238 @@
     <p:extLst>
       <p:ext uri="{BB962C8B-B14F-4D97-AF65-F5344CB8AC3E}">
         <p14:creationId xmlns:p14="http://schemas.microsoft.com/office/powerpoint/2010/main" val="3910450632"/>
+      </p:ext>
+    </p:extLst>
+  </p:cSld>
+  <p:clrMapOvr>
+    <a:masterClrMapping/>
+  </p:clrMapOvr>
+</p:sld>
+</file>
+
+<file path=ppt/slides/slide13.xml><?xml version="1.0" encoding="utf-8"?>
+<p:sld xmlns:a="http://schemas.openxmlformats.org/drawingml/2006/main" xmlns:r="http://schemas.openxmlformats.org/officeDocument/2006/relationships" xmlns:p="http://schemas.openxmlformats.org/presentationml/2006/main">
+  <p:cSld>
+    <p:spTree>
+      <p:nvGrpSpPr>
+        <p:cNvPr id="1" name=""/>
+        <p:cNvGrpSpPr/>
+        <p:nvPr/>
+      </p:nvGrpSpPr>
+      <p:grpSpPr>
+        <a:xfrm>
+          <a:off x="0" y="0"/>
+          <a:ext cx="0" cy="0"/>
+          <a:chOff x="0" y="0"/>
+          <a:chExt cx="0" cy="0"/>
+        </a:xfrm>
+      </p:grpSpPr>
+      <p:sp>
+        <p:nvSpPr>
+          <p:cNvPr id="3" name="TextBox 2">
+            <a:extLst>
+              <a:ext uri="{FF2B5EF4-FFF2-40B4-BE49-F238E27FC236}">
+                <a16:creationId xmlns:a16="http://schemas.microsoft.com/office/drawing/2014/main" id="{65154B13-23B4-D285-8E9C-1D05B2CC3314}"/>
+              </a:ext>
+            </a:extLst>
+          </p:cNvPr>
+          <p:cNvSpPr txBox="1"/>
+          <p:nvPr/>
+        </p:nvSpPr>
+        <p:spPr>
+          <a:xfrm>
+            <a:off x="8253086" y="6281896"/>
+            <a:ext cx="6097044" cy="369332"/>
+          </a:xfrm>
+          <a:prstGeom prst="rect">
+            <a:avLst/>
+          </a:prstGeom>
+          <a:noFill/>
+        </p:spPr>
+        <p:txBody>
+          <a:bodyPr wrap="square">
+            <a:spAutoFit/>
+          </a:bodyPr>
+          <a:lstStyle/>
+          <a:p>
+            <a:r>
+              <a:rPr lang="en-US" dirty="0"/>
+              <a:t>https://ggplot2.tidyverse.org/reference/</a:t>
+            </a:r>
+          </a:p>
+        </p:txBody>
+      </p:sp>
+      <p:pic>
+        <p:nvPicPr>
+          <p:cNvPr id="4" name="Picture 3">
+            <a:extLst>
+              <a:ext uri="{FF2B5EF4-FFF2-40B4-BE49-F238E27FC236}">
+                <a16:creationId xmlns:a16="http://schemas.microsoft.com/office/drawing/2014/main" id="{427FDFC9-867C-629E-80F8-EC69839FE04B}"/>
+              </a:ext>
+            </a:extLst>
+          </p:cNvPr>
+          <p:cNvPicPr>
+            <a:picLocks noChangeAspect="1"/>
+          </p:cNvPicPr>
+          <p:nvPr/>
+        </p:nvPicPr>
+        <p:blipFill>
+          <a:blip r:embed="rId2"/>
+          <a:stretch>
+            <a:fillRect/>
+          </a:stretch>
+        </p:blipFill>
+        <p:spPr>
+          <a:xfrm>
+            <a:off x="287055" y="781822"/>
+            <a:ext cx="11244374" cy="1842381"/>
+          </a:xfrm>
+          <a:prstGeom prst="rect">
+            <a:avLst/>
+          </a:prstGeom>
+        </p:spPr>
+      </p:pic>
+      <p:pic>
+        <p:nvPicPr>
+          <p:cNvPr id="5" name="Picture 4">
+            <a:extLst>
+              <a:ext uri="{FF2B5EF4-FFF2-40B4-BE49-F238E27FC236}">
+                <a16:creationId xmlns:a16="http://schemas.microsoft.com/office/drawing/2014/main" id="{6F350F51-53FD-22B7-D40E-9040D4480D15}"/>
+              </a:ext>
+            </a:extLst>
+          </p:cNvPr>
+          <p:cNvPicPr>
+            <a:picLocks noChangeAspect="1"/>
+          </p:cNvPicPr>
+          <p:nvPr/>
+        </p:nvPicPr>
+        <p:blipFill>
+          <a:blip r:embed="rId3"/>
+          <a:stretch>
+            <a:fillRect/>
+          </a:stretch>
+        </p:blipFill>
+        <p:spPr>
+          <a:xfrm>
+            <a:off x="287054" y="2799838"/>
+            <a:ext cx="11084223" cy="1258595"/>
+          </a:xfrm>
+          <a:prstGeom prst="rect">
+            <a:avLst/>
+          </a:prstGeom>
+        </p:spPr>
+      </p:pic>
+      <p:pic>
+        <p:nvPicPr>
+          <p:cNvPr id="6" name="Picture 5">
+            <a:extLst>
+              <a:ext uri="{FF2B5EF4-FFF2-40B4-BE49-F238E27FC236}">
+                <a16:creationId xmlns:a16="http://schemas.microsoft.com/office/drawing/2014/main" id="{F6DF3007-C154-2C33-1059-808C0550F56E}"/>
+              </a:ext>
+            </a:extLst>
+          </p:cNvPr>
+          <p:cNvPicPr>
+            <a:picLocks noChangeAspect="1"/>
+          </p:cNvPicPr>
+          <p:nvPr/>
+        </p:nvPicPr>
+        <p:blipFill>
+          <a:blip r:embed="rId4"/>
+          <a:stretch>
+            <a:fillRect/>
+          </a:stretch>
+        </p:blipFill>
+        <p:spPr>
+          <a:xfrm>
+            <a:off x="287053" y="4006496"/>
+            <a:ext cx="10925879" cy="1035230"/>
+          </a:xfrm>
+          <a:prstGeom prst="rect">
+            <a:avLst/>
+          </a:prstGeom>
+        </p:spPr>
+      </p:pic>
+      <p:pic>
+        <p:nvPicPr>
+          <p:cNvPr id="7" name="Picture 6">
+            <a:extLst>
+              <a:ext uri="{FF2B5EF4-FFF2-40B4-BE49-F238E27FC236}">
+                <a16:creationId xmlns:a16="http://schemas.microsoft.com/office/drawing/2014/main" id="{D2C29005-1F40-FEC8-5E08-701F87647250}"/>
+              </a:ext>
+            </a:extLst>
+          </p:cNvPr>
+          <p:cNvPicPr>
+            <a:picLocks noChangeAspect="1"/>
+          </p:cNvPicPr>
+          <p:nvPr/>
+        </p:nvPicPr>
+        <p:blipFill>
+          <a:blip r:embed="rId5"/>
+          <a:stretch>
+            <a:fillRect/>
+          </a:stretch>
+        </p:blipFill>
+        <p:spPr>
+          <a:xfrm>
+            <a:off x="337158" y="5206868"/>
+            <a:ext cx="10742249" cy="937148"/>
+          </a:xfrm>
+          <a:prstGeom prst="rect">
+            <a:avLst/>
+          </a:prstGeom>
+        </p:spPr>
+      </p:pic>
+      <p:sp>
+        <p:nvSpPr>
+          <p:cNvPr id="8" name="TextBox 7">
+            <a:extLst>
+              <a:ext uri="{FF2B5EF4-FFF2-40B4-BE49-F238E27FC236}">
+                <a16:creationId xmlns:a16="http://schemas.microsoft.com/office/drawing/2014/main" id="{D2302473-7FDB-78CA-6715-5FD17DD32A35}"/>
+              </a:ext>
+            </a:extLst>
+          </p:cNvPr>
+          <p:cNvSpPr txBox="1"/>
+          <p:nvPr/>
+        </p:nvSpPr>
+        <p:spPr>
+          <a:xfrm>
+            <a:off x="3563655" y="247348"/>
+            <a:ext cx="7273914" cy="369332"/>
+          </a:xfrm>
+          <a:prstGeom prst="rect">
+            <a:avLst/>
+          </a:prstGeom>
+          <a:noFill/>
+        </p:spPr>
+        <p:txBody>
+          <a:bodyPr wrap="none" rtlCol="0">
+            <a:spAutoFit/>
+          </a:bodyPr>
+          <a:lstStyle/>
+          <a:p>
+            <a:r>
+              <a:rPr lang="en-US" dirty="0" err="1"/>
+              <a:t>ggplot</a:t>
+            </a:r>
+            <a:r>
+              <a:rPr lang="en-US" dirty="0"/>
+              <a:t> lets you make many different kinds of plots by using different ‘</a:t>
+            </a:r>
+            <a:r>
+              <a:rPr lang="en-US" dirty="0" err="1"/>
+              <a:t>geoms</a:t>
+            </a:r>
+            <a:r>
+              <a:rPr lang="en-US" dirty="0"/>
+              <a:t>’</a:t>
+            </a:r>
+          </a:p>
+        </p:txBody>
+      </p:sp>
+    </p:spTree>
+    <p:extLst>
+      <p:ext uri="{BB962C8B-B14F-4D97-AF65-F5344CB8AC3E}">
+        <p14:creationId xmlns:p14="http://schemas.microsoft.com/office/powerpoint/2010/main" val="1698419793"/>
       </p:ext>
     </p:extLst>
   </p:cSld>
@@ -5720,50 +5580,9 @@
           <a:chExt cx="0" cy="0"/>
         </a:xfrm>
       </p:grpSpPr>
-      <p:sp>
-        <p:nvSpPr>
-          <p:cNvPr id="3" name="TextBox 2">
-            <a:extLst>
-              <a:ext uri="{FF2B5EF4-FFF2-40B4-BE49-F238E27FC236}">
-                <a16:creationId xmlns:a16="http://schemas.microsoft.com/office/drawing/2014/main" id="{65154B13-23B4-D285-8E9C-1D05B2CC3314}"/>
-              </a:ext>
-            </a:extLst>
-          </p:cNvPr>
-          <p:cNvSpPr txBox="1"/>
-          <p:nvPr/>
-        </p:nvSpPr>
-        <p:spPr>
-          <a:xfrm>
-            <a:off x="8253086" y="6281896"/>
-            <a:ext cx="6097044" cy="369332"/>
-          </a:xfrm>
-          <a:prstGeom prst="rect">
-            <a:avLst/>
-          </a:prstGeom>
-          <a:noFill/>
-        </p:spPr>
-        <p:txBody>
-          <a:bodyPr wrap="square">
-            <a:spAutoFit/>
-          </a:bodyPr>
-          <a:lstStyle/>
-          <a:p>
-            <a:r>
-              <a:rPr lang="en-US" dirty="0"/>
-              <a:t>https://ggplot2.tidyverse.org/reference/</a:t>
-            </a:r>
-          </a:p>
-        </p:txBody>
-      </p:sp>
       <p:pic>
         <p:nvPicPr>
-          <p:cNvPr id="4" name="Picture 3">
-            <a:extLst>
-              <a:ext uri="{FF2B5EF4-FFF2-40B4-BE49-F238E27FC236}">
-                <a16:creationId xmlns:a16="http://schemas.microsoft.com/office/drawing/2014/main" id="{427FDFC9-867C-629E-80F8-EC69839FE04B}"/>
-              </a:ext>
-            </a:extLst>
-          </p:cNvPr>
+          <p:cNvPr id="333" name="Image" descr="Image"/>
           <p:cNvPicPr>
             <a:picLocks noChangeAspect="1"/>
           </p:cNvPicPr>
@@ -5777,157 +5596,58 @@
         </p:blipFill>
         <p:spPr>
           <a:xfrm>
-            <a:off x="287055" y="781822"/>
-            <a:ext cx="11244374" cy="1842381"/>
-          </a:xfrm>
-          <a:prstGeom prst="rect">
-            <a:avLst/>
-          </a:prstGeom>
+            <a:off x="548667" y="1956759"/>
+            <a:ext cx="2557080" cy="3752929"/>
+          </a:xfrm>
+          <a:prstGeom prst="rect">
+            <a:avLst/>
+          </a:prstGeom>
+          <a:ln w="12700">
+            <a:miter lim="400000"/>
+          </a:ln>
         </p:spPr>
       </p:pic>
-      <p:pic>
-        <p:nvPicPr>
-          <p:cNvPr id="5" name="Picture 4">
-            <a:extLst>
-              <a:ext uri="{FF2B5EF4-FFF2-40B4-BE49-F238E27FC236}">
-                <a16:creationId xmlns:a16="http://schemas.microsoft.com/office/drawing/2014/main" id="{6F350F51-53FD-22B7-D40E-9040D4480D15}"/>
-              </a:ext>
-            </a:extLst>
-          </p:cNvPr>
-          <p:cNvPicPr>
-            <a:picLocks noChangeAspect="1"/>
-          </p:cNvPicPr>
-          <p:nvPr/>
-        </p:nvPicPr>
-        <p:blipFill>
-          <a:blip r:embed="rId3"/>
-          <a:stretch>
-            <a:fillRect/>
-          </a:stretch>
-        </p:blipFill>
-        <p:spPr>
-          <a:xfrm>
-            <a:off x="287054" y="2799838"/>
-            <a:ext cx="11084223" cy="1258595"/>
-          </a:xfrm>
-          <a:prstGeom prst="rect">
-            <a:avLst/>
-          </a:prstGeom>
-        </p:spPr>
-      </p:pic>
-      <p:pic>
-        <p:nvPicPr>
-          <p:cNvPr id="6" name="Picture 5">
-            <a:extLst>
-              <a:ext uri="{FF2B5EF4-FFF2-40B4-BE49-F238E27FC236}">
-                <a16:creationId xmlns:a16="http://schemas.microsoft.com/office/drawing/2014/main" id="{F6DF3007-C154-2C33-1059-808C0550F56E}"/>
-              </a:ext>
-            </a:extLst>
-          </p:cNvPr>
-          <p:cNvPicPr>
-            <a:picLocks noChangeAspect="1"/>
-          </p:cNvPicPr>
-          <p:nvPr/>
-        </p:nvPicPr>
-        <p:blipFill>
-          <a:blip r:embed="rId4"/>
-          <a:stretch>
-            <a:fillRect/>
-          </a:stretch>
-        </p:blipFill>
-        <p:spPr>
-          <a:xfrm>
-            <a:off x="287053" y="4006496"/>
-            <a:ext cx="10925879" cy="1035230"/>
-          </a:xfrm>
-          <a:prstGeom prst="rect">
-            <a:avLst/>
-          </a:prstGeom>
-        </p:spPr>
-      </p:pic>
-      <p:pic>
-        <p:nvPicPr>
-          <p:cNvPr id="7" name="Picture 6">
-            <a:extLst>
-              <a:ext uri="{FF2B5EF4-FFF2-40B4-BE49-F238E27FC236}">
-                <a16:creationId xmlns:a16="http://schemas.microsoft.com/office/drawing/2014/main" id="{D2C29005-1F40-FEC8-5E08-701F87647250}"/>
-              </a:ext>
-            </a:extLst>
-          </p:cNvPr>
-          <p:cNvPicPr>
-            <a:picLocks noChangeAspect="1"/>
-          </p:cNvPicPr>
-          <p:nvPr/>
-        </p:nvPicPr>
-        <p:blipFill>
-          <a:blip r:embed="rId5"/>
-          <a:stretch>
-            <a:fillRect/>
-          </a:stretch>
-        </p:blipFill>
-        <p:spPr>
-          <a:xfrm>
-            <a:off x="337158" y="5206868"/>
-            <a:ext cx="10742249" cy="937148"/>
-          </a:xfrm>
-          <a:prstGeom prst="rect">
-            <a:avLst/>
-          </a:prstGeom>
-        </p:spPr>
-      </p:pic>
-      <p:sp>
-        <p:nvSpPr>
-          <p:cNvPr id="8" name="TextBox 7">
-            <a:extLst>
-              <a:ext uri="{FF2B5EF4-FFF2-40B4-BE49-F238E27FC236}">
-                <a16:creationId xmlns:a16="http://schemas.microsoft.com/office/drawing/2014/main" id="{D2302473-7FDB-78CA-6715-5FD17DD32A35}"/>
-              </a:ext>
-            </a:extLst>
-          </p:cNvPr>
+      <p:sp>
+        <p:nvSpPr>
+          <p:cNvPr id="334" name="What if we want to look at expression levels of these 4 genes?"/>
           <p:cNvSpPr txBox="1"/>
           <p:nvPr/>
         </p:nvSpPr>
         <p:spPr>
           <a:xfrm>
-            <a:off x="3563655" y="247348"/>
-            <a:ext cx="7273914" cy="369332"/>
-          </a:xfrm>
-          <a:prstGeom prst="rect">
-            <a:avLst/>
-          </a:prstGeom>
-          <a:noFill/>
-        </p:spPr>
-        <p:txBody>
-          <a:bodyPr wrap="none" rtlCol="0">
+            <a:off x="3448320" y="337559"/>
+            <a:ext cx="5295360" cy="328295"/>
+          </a:xfrm>
+          <a:prstGeom prst="rect">
+            <a:avLst/>
+          </a:prstGeom>
+          <a:ln w="12700">
+            <a:miter lim="400000"/>
+          </a:ln>
+          <a:extLst>
+            <a:ext uri="{C572A759-6A51-4108-AA02-DFA0A04FC94B}">
+              <ma14:wrappingTextBoxFlag xmlns:ma14="http://schemas.microsoft.com/office/mac/drawingml/2011/main" xmlns:a14="http://schemas.microsoft.com/office/drawing/2010/main" xmlns:m="http://schemas.openxmlformats.org/officeDocument/2006/math" xmlns="" val="1"/>
+            </a:ext>
+          </a:extLst>
+        </p:spPr>
+        <p:txBody>
+          <a:bodyPr wrap="none" lIns="25400" tIns="25400" rIns="25400" bIns="25400" anchor="ctr">
             <a:spAutoFit/>
           </a:bodyPr>
-          <a:lstStyle/>
-          <a:p>
-            <a:r>
-              <a:rPr lang="en-US" dirty="0" err="1"/>
-              <a:t>ggplot</a:t>
-            </a:r>
-            <a:r>
-              <a:rPr lang="en-US" dirty="0"/>
-              <a:t> lets you make many different kinds of plots by using different ‘</a:t>
-            </a:r>
-            <a:r>
-              <a:rPr lang="en-US" dirty="0" err="1"/>
-              <a:t>geoms</a:t>
-            </a:r>
-            <a:r>
-              <a:rPr lang="en-US" dirty="0"/>
-              <a:t>’</a:t>
+          <a:lstStyle>
+            <a:lvl1pPr>
+              <a:defRPr sz="3600"/>
+            </a:lvl1pPr>
+          </a:lstStyle>
+          <a:p>
+            <a:r>
+              <a:rPr sz="1800" dirty="0"/>
+              <a:t>What if we want to look at expression levels of 4 genes?</a:t>
             </a:r>
           </a:p>
         </p:txBody>
       </p:sp>
     </p:spTree>
-    <p:extLst>
-      <p:ext uri="{BB962C8B-B14F-4D97-AF65-F5344CB8AC3E}">
-        <p14:creationId xmlns:p14="http://schemas.microsoft.com/office/powerpoint/2010/main" val="1698419793"/>
-      </p:ext>
-    </p:extLst>
   </p:cSld>
   <p:clrMapOvr>
     <a:masterClrMapping/>
@@ -5987,7 +5707,7 @@
         </p:nvSpPr>
         <p:spPr>
           <a:xfrm>
-            <a:off x="3448320" y="337559"/>
+            <a:off x="3105747" y="316171"/>
             <a:ext cx="5295360" cy="328295"/>
           </a:xfrm>
           <a:prstGeom prst="rect">
@@ -5998,7 +5718,7 @@
           </a:ln>
           <a:extLst>
             <a:ext uri="{C572A759-6A51-4108-AA02-DFA0A04FC94B}">
-              <ma14:wrappingTextBoxFlag xmlns:ma14="http://schemas.microsoft.com/office/mac/drawingml/2011/main" xmlns:a14="http://schemas.microsoft.com/office/drawing/2010/main" xmlns:m="http://schemas.openxmlformats.org/officeDocument/2006/math" xmlns="" val="1"/>
+              <ma14:wrappingTextBoxFlag xmlns="" xmlns:m="http://schemas.openxmlformats.org/officeDocument/2006/math" xmlns:a14="http://schemas.microsoft.com/office/drawing/2010/main" xmlns:ma14="http://schemas.microsoft.com/office/mac/drawingml/2011/main" val="1"/>
             </a:ext>
           </a:extLst>
         </p:spPr>
@@ -6019,7 +5739,66 @@
           </a:p>
         </p:txBody>
       </p:sp>
+      <p:pic>
+        <p:nvPicPr>
+          <p:cNvPr id="335" name="Image" descr="Image"/>
+          <p:cNvPicPr>
+            <a:picLocks noChangeAspect="1"/>
+          </p:cNvPicPr>
+          <p:nvPr/>
+        </p:nvPicPr>
+        <p:blipFill>
+          <a:blip r:embed="rId3"/>
+          <a:stretch>
+            <a:fillRect/>
+          </a:stretch>
+        </p:blipFill>
+        <p:spPr>
+          <a:xfrm>
+            <a:off x="3794882" y="2257620"/>
+            <a:ext cx="7979507" cy="414838"/>
+          </a:xfrm>
+          <a:prstGeom prst="rect">
+            <a:avLst/>
+          </a:prstGeom>
+          <a:ln w="12700">
+            <a:miter lim="400000"/>
+          </a:ln>
+        </p:spPr>
+      </p:pic>
+      <p:pic>
+        <p:nvPicPr>
+          <p:cNvPr id="336" name="Image" descr="Image"/>
+          <p:cNvPicPr>
+            <a:picLocks noChangeAspect="1"/>
+          </p:cNvPicPr>
+          <p:nvPr/>
+        </p:nvPicPr>
+        <p:blipFill>
+          <a:blip r:embed="rId4"/>
+          <a:stretch>
+            <a:fillRect/>
+          </a:stretch>
+        </p:blipFill>
+        <p:spPr>
+          <a:xfrm>
+            <a:off x="3541283" y="2870097"/>
+            <a:ext cx="5653199" cy="3572603"/>
+          </a:xfrm>
+          <a:prstGeom prst="rect">
+            <a:avLst/>
+          </a:prstGeom>
+          <a:ln w="12700">
+            <a:miter lim="400000"/>
+          </a:ln>
+        </p:spPr>
+      </p:pic>
     </p:spTree>
+    <p:extLst>
+      <p:ext uri="{BB962C8B-B14F-4D97-AF65-F5344CB8AC3E}">
+        <p14:creationId xmlns:p14="http://schemas.microsoft.com/office/powerpoint/2010/main" val="2696821515"/>
+      </p:ext>
+    </p:extLst>
   </p:cSld>
   <p:clrMapOvr>
     <a:masterClrMapping/>
@@ -6046,74 +5825,7 @@
       </p:grpSpPr>
       <p:pic>
         <p:nvPicPr>
-          <p:cNvPr id="333" name="Image" descr="Image"/>
-          <p:cNvPicPr>
-            <a:picLocks noChangeAspect="1"/>
-          </p:cNvPicPr>
-          <p:nvPr/>
-        </p:nvPicPr>
-        <p:blipFill>
-          <a:blip r:embed="rId2"/>
-          <a:stretch>
-            <a:fillRect/>
-          </a:stretch>
-        </p:blipFill>
-        <p:spPr>
-          <a:xfrm>
-            <a:off x="548667" y="1956759"/>
-            <a:ext cx="2557080" cy="3752929"/>
-          </a:xfrm>
-          <a:prstGeom prst="rect">
-            <a:avLst/>
-          </a:prstGeom>
-          <a:ln w="12700">
-            <a:miter lim="400000"/>
-          </a:ln>
-        </p:spPr>
-      </p:pic>
-      <p:sp>
-        <p:nvSpPr>
-          <p:cNvPr id="334" name="What if we want to look at expression levels of these 4 genes?"/>
-          <p:cNvSpPr txBox="1"/>
-          <p:nvPr/>
-        </p:nvSpPr>
-        <p:spPr>
-          <a:xfrm>
-            <a:off x="3105747" y="316171"/>
-            <a:ext cx="5295360" cy="328295"/>
-          </a:xfrm>
-          <a:prstGeom prst="rect">
-            <a:avLst/>
-          </a:prstGeom>
-          <a:ln w="12700">
-            <a:miter lim="400000"/>
-          </a:ln>
-          <a:extLst>
-            <a:ext uri="{C572A759-6A51-4108-AA02-DFA0A04FC94B}">
-              <ma14:wrappingTextBoxFlag xmlns="" xmlns:m="http://schemas.openxmlformats.org/officeDocument/2006/math" xmlns:a14="http://schemas.microsoft.com/office/drawing/2010/main" xmlns:ma14="http://schemas.microsoft.com/office/mac/drawingml/2011/main" val="1"/>
-            </a:ext>
-          </a:extLst>
-        </p:spPr>
-        <p:txBody>
-          <a:bodyPr wrap="none" lIns="25400" tIns="25400" rIns="25400" bIns="25400" anchor="ctr">
-            <a:spAutoFit/>
-          </a:bodyPr>
-          <a:lstStyle>
-            <a:lvl1pPr>
-              <a:defRPr sz="3600"/>
-            </a:lvl1pPr>
-          </a:lstStyle>
-          <a:p>
-            <a:r>
-              <a:rPr sz="1800" dirty="0"/>
-              <a:t>What if we want to look at expression levels of 4 genes?</a:t>
-            </a:r>
-          </a:p>
-        </p:txBody>
-      </p:sp>
-      <p:pic>
-        <p:nvPicPr>
-          <p:cNvPr id="335" name="Image" descr="Image"/>
+          <p:cNvPr id="338" name="Image" descr="Image"/>
           <p:cNvPicPr>
             <a:picLocks noChangeAspect="1"/>
           </p:cNvPicPr>
@@ -6127,8 +5839,8 @@
         </p:blipFill>
         <p:spPr>
           <a:xfrm>
-            <a:off x="3794882" y="2257620"/>
-            <a:ext cx="7979507" cy="414838"/>
+            <a:off x="202599" y="2139318"/>
+            <a:ext cx="7412239" cy="1593559"/>
           </a:xfrm>
           <a:prstGeom prst="rect">
             <a:avLst/>
@@ -6138,9 +5850,187 @@
           </a:ln>
         </p:spPr>
       </p:pic>
+      <p:sp>
+        <p:nvSpPr>
+          <p:cNvPr id="339" name="A little more complicated example - samples from different conditions"/>
+          <p:cNvSpPr txBox="1"/>
+          <p:nvPr/>
+        </p:nvSpPr>
+        <p:spPr>
+          <a:xfrm>
+            <a:off x="1197886" y="163197"/>
+            <a:ext cx="8978099" cy="420628"/>
+          </a:xfrm>
+          <a:prstGeom prst="rect">
+            <a:avLst/>
+          </a:prstGeom>
+          <a:ln w="12700">
+            <a:miter lim="400000"/>
+          </a:ln>
+          <a:extLst>
+            <a:ext uri="{C572A759-6A51-4108-AA02-DFA0A04FC94B}">
+              <ma14:wrappingTextBoxFlag xmlns:ma14="http://schemas.microsoft.com/office/mac/drawingml/2011/main" xmlns:a14="http://schemas.microsoft.com/office/drawing/2010/main" xmlns:m="http://schemas.openxmlformats.org/officeDocument/2006/math" xmlns="" val="1"/>
+            </a:ext>
+          </a:extLst>
+        </p:spPr>
+        <p:txBody>
+          <a:bodyPr wrap="none" lIns="25400" tIns="25400" rIns="25400" bIns="25400" anchor="ctr">
+            <a:spAutoFit/>
+          </a:bodyPr>
+          <a:lstStyle>
+            <a:lvl1pPr>
+              <a:defRPr sz="4800" b="1"/>
+            </a:lvl1pPr>
+          </a:lstStyle>
+          <a:p>
+            <a:r>
+              <a:rPr sz="2400"/>
+              <a:t>A little more complicated example - samples from different conditions</a:t>
+            </a:r>
+          </a:p>
+        </p:txBody>
+      </p:sp>
+      <p:sp>
+        <p:nvSpPr>
+          <p:cNvPr id="340" name="Untreated"/>
+          <p:cNvSpPr txBox="1"/>
+          <p:nvPr/>
+        </p:nvSpPr>
+        <p:spPr>
+          <a:xfrm>
+            <a:off x="2004675" y="1526185"/>
+            <a:ext cx="1355949" cy="420628"/>
+          </a:xfrm>
+          <a:prstGeom prst="rect">
+            <a:avLst/>
+          </a:prstGeom>
+          <a:ln w="12700">
+            <a:miter lim="400000"/>
+          </a:ln>
+          <a:extLst>
+            <a:ext uri="{C572A759-6A51-4108-AA02-DFA0A04FC94B}">
+              <ma14:wrappingTextBoxFlag xmlns:ma14="http://schemas.microsoft.com/office/mac/drawingml/2011/main" xmlns:a14="http://schemas.microsoft.com/office/drawing/2010/main" xmlns:m="http://schemas.openxmlformats.org/officeDocument/2006/math" xmlns="" val="1"/>
+            </a:ext>
+          </a:extLst>
+        </p:spPr>
+        <p:txBody>
+          <a:bodyPr wrap="none" lIns="25400" tIns="25400" rIns="25400" bIns="25400" anchor="ctr">
+            <a:spAutoFit/>
+          </a:bodyPr>
+          <a:lstStyle>
+            <a:lvl1pPr>
+              <a:defRPr sz="4800" b="1"/>
+            </a:lvl1pPr>
+          </a:lstStyle>
+          <a:p>
+            <a:r>
+              <a:rPr sz="2400"/>
+              <a:t>Untreated</a:t>
+            </a:r>
+          </a:p>
+        </p:txBody>
+      </p:sp>
+      <p:sp>
+        <p:nvSpPr>
+          <p:cNvPr id="341" name="Treated"/>
+          <p:cNvSpPr txBox="1"/>
+          <p:nvPr/>
+        </p:nvSpPr>
+        <p:spPr>
+          <a:xfrm>
+            <a:off x="5376405" y="1526185"/>
+            <a:ext cx="1022459" cy="420628"/>
+          </a:xfrm>
+          <a:prstGeom prst="rect">
+            <a:avLst/>
+          </a:prstGeom>
+          <a:ln w="12700">
+            <a:miter lim="400000"/>
+          </a:ln>
+          <a:extLst>
+            <a:ext uri="{C572A759-6A51-4108-AA02-DFA0A04FC94B}">
+              <ma14:wrappingTextBoxFlag xmlns:ma14="http://schemas.microsoft.com/office/mac/drawingml/2011/main" xmlns:a14="http://schemas.microsoft.com/office/drawing/2010/main" xmlns:m="http://schemas.openxmlformats.org/officeDocument/2006/math" xmlns="" val="1"/>
+            </a:ext>
+          </a:extLst>
+        </p:spPr>
+        <p:txBody>
+          <a:bodyPr wrap="none" lIns="25400" tIns="25400" rIns="25400" bIns="25400" anchor="ctr">
+            <a:spAutoFit/>
+          </a:bodyPr>
+          <a:lstStyle>
+            <a:lvl1pPr>
+              <a:defRPr sz="4800" b="1"/>
+            </a:lvl1pPr>
+          </a:lstStyle>
+          <a:p>
+            <a:r>
+              <a:rPr sz="2400"/>
+              <a:t>Treated</a:t>
+            </a:r>
+          </a:p>
+        </p:txBody>
+      </p:sp>
+      <p:sp>
+        <p:nvSpPr>
+          <p:cNvPr id="342" name="Line"/>
+          <p:cNvSpPr/>
+          <p:nvPr/>
+        </p:nvSpPr>
+        <p:spPr>
+          <a:xfrm>
+            <a:off x="1584692" y="1990499"/>
+            <a:ext cx="2342480" cy="1"/>
+          </a:xfrm>
+          <a:prstGeom prst="line">
+            <a:avLst/>
+          </a:prstGeom>
+          <a:ln w="101600">
+            <a:solidFill>
+              <a:srgbClr val="000000"/>
+            </a:solidFill>
+            <a:miter lim="400000"/>
+          </a:ln>
+        </p:spPr>
+        <p:txBody>
+          <a:bodyPr lIns="25400" tIns="25400" rIns="25400" bIns="25400" anchor="ctr"/>
+          <a:lstStyle/>
+          <a:p>
+            <a:endParaRPr sz="900"/>
+          </a:p>
+        </p:txBody>
+      </p:sp>
+      <p:sp>
+        <p:nvSpPr>
+          <p:cNvPr id="343" name="Line"/>
+          <p:cNvSpPr/>
+          <p:nvPr/>
+        </p:nvSpPr>
+        <p:spPr>
+          <a:xfrm>
+            <a:off x="4778570" y="2040473"/>
+            <a:ext cx="2342480" cy="1"/>
+          </a:xfrm>
+          <a:prstGeom prst="line">
+            <a:avLst/>
+          </a:prstGeom>
+          <a:ln w="101600">
+            <a:solidFill>
+              <a:srgbClr val="000000"/>
+            </a:solidFill>
+            <a:miter lim="400000"/>
+          </a:ln>
+        </p:spPr>
+        <p:txBody>
+          <a:bodyPr lIns="25400" tIns="25400" rIns="25400" bIns="25400" anchor="ctr"/>
+          <a:lstStyle/>
+          <a:p>
+            <a:endParaRPr sz="900"/>
+          </a:p>
+        </p:txBody>
+      </p:sp>
       <p:pic>
         <p:nvPicPr>
-          <p:cNvPr id="336" name="Image" descr="Image"/>
+          <p:cNvPr id="344" name="Image" descr="Image"/>
           <p:cNvPicPr>
             <a:picLocks noChangeAspect="1"/>
           </p:cNvPicPr>
@@ -6154,8 +6044,8 @@
         </p:blipFill>
         <p:spPr>
           <a:xfrm>
-            <a:off x="3541283" y="2870097"/>
-            <a:ext cx="5653199" cy="3572603"/>
+            <a:off x="8169033" y="2142844"/>
+            <a:ext cx="3510206" cy="3194288"/>
           </a:xfrm>
           <a:prstGeom prst="rect">
             <a:avLst/>
@@ -6165,12 +6055,87 @@
           </a:ln>
         </p:spPr>
       </p:pic>
+      <p:sp>
+        <p:nvSpPr>
+          <p:cNvPr id="345" name="Wide"/>
+          <p:cNvSpPr txBox="1"/>
+          <p:nvPr/>
+        </p:nvSpPr>
+        <p:spPr>
+          <a:xfrm>
+            <a:off x="3771499" y="3835594"/>
+            <a:ext cx="726161" cy="420628"/>
+          </a:xfrm>
+          <a:prstGeom prst="rect">
+            <a:avLst/>
+          </a:prstGeom>
+          <a:ln w="12700">
+            <a:miter lim="400000"/>
+          </a:ln>
+          <a:extLst>
+            <a:ext uri="{C572A759-6A51-4108-AA02-DFA0A04FC94B}">
+              <ma14:wrappingTextBoxFlag xmlns:ma14="http://schemas.microsoft.com/office/mac/drawingml/2011/main" xmlns:a14="http://schemas.microsoft.com/office/drawing/2010/main" xmlns:m="http://schemas.openxmlformats.org/officeDocument/2006/math" xmlns="" val="1"/>
+            </a:ext>
+          </a:extLst>
+        </p:spPr>
+        <p:txBody>
+          <a:bodyPr wrap="none" lIns="25400" tIns="25400" rIns="25400" bIns="25400" anchor="ctr">
+            <a:spAutoFit/>
+          </a:bodyPr>
+          <a:lstStyle>
+            <a:lvl1pPr>
+              <a:defRPr sz="4800" b="1"/>
+            </a:lvl1pPr>
+          </a:lstStyle>
+          <a:p>
+            <a:r>
+              <a:rPr sz="2400"/>
+              <a:t>Wide</a:t>
+            </a:r>
+          </a:p>
+        </p:txBody>
+      </p:sp>
+      <p:sp>
+        <p:nvSpPr>
+          <p:cNvPr id="346" name="Long"/>
+          <p:cNvSpPr txBox="1"/>
+          <p:nvPr/>
+        </p:nvSpPr>
+        <p:spPr>
+          <a:xfrm>
+            <a:off x="9528582" y="5396883"/>
+            <a:ext cx="657231" cy="420628"/>
+          </a:xfrm>
+          <a:prstGeom prst="rect">
+            <a:avLst/>
+          </a:prstGeom>
+          <a:ln w="12700">
+            <a:miter lim="400000"/>
+          </a:ln>
+          <a:extLst>
+            <a:ext uri="{C572A759-6A51-4108-AA02-DFA0A04FC94B}">
+              <ma14:wrappingTextBoxFlag xmlns:ma14="http://schemas.microsoft.com/office/mac/drawingml/2011/main" xmlns:a14="http://schemas.microsoft.com/office/drawing/2010/main" xmlns:m="http://schemas.openxmlformats.org/officeDocument/2006/math" xmlns="" val="1"/>
+            </a:ext>
+          </a:extLst>
+        </p:spPr>
+        <p:txBody>
+          <a:bodyPr wrap="none" lIns="25400" tIns="25400" rIns="25400" bIns="25400" anchor="ctr">
+            <a:spAutoFit/>
+          </a:bodyPr>
+          <a:lstStyle>
+            <a:lvl1pPr>
+              <a:defRPr sz="4800" b="1"/>
+            </a:lvl1pPr>
+          </a:lstStyle>
+          <a:p>
+            <a:r>
+              <a:rPr sz="2400"/>
+              <a:t>Long</a:t>
+            </a:r>
+          </a:p>
+        </p:txBody>
+      </p:sp>
     </p:spTree>
-    <p:extLst>
-      <p:ext uri="{BB962C8B-B14F-4D97-AF65-F5344CB8AC3E}">
-        <p14:creationId xmlns:p14="http://schemas.microsoft.com/office/powerpoint/2010/main" val="2696821515"/>
-      </p:ext>
-    </p:extLst>
   </p:cSld>
   <p:clrMapOvr>
     <a:masterClrMapping/>
@@ -6197,7 +6162,7 @@
       </p:grpSpPr>
       <p:pic>
         <p:nvPicPr>
-          <p:cNvPr id="338" name="Image" descr="Image"/>
+          <p:cNvPr id="350" name="Image" descr="Image"/>
           <p:cNvPicPr>
             <a:picLocks noChangeAspect="1"/>
           </p:cNvPicPr>
@@ -6211,8 +6176,8 @@
         </p:blipFill>
         <p:spPr>
           <a:xfrm>
-            <a:off x="202599" y="2139318"/>
-            <a:ext cx="7412239" cy="1593559"/>
+            <a:off x="6672906" y="3124151"/>
+            <a:ext cx="5067520" cy="3091072"/>
           </a:xfrm>
           <a:prstGeom prst="rect">
             <a:avLst/>
@@ -6222,9 +6187,36 @@
           </a:ln>
         </p:spPr>
       </p:pic>
-      <p:sp>
-        <p:nvSpPr>
-          <p:cNvPr id="339" name="A little more complicated example - samples from different conditions"/>
+      <p:pic>
+        <p:nvPicPr>
+          <p:cNvPr id="351" name="Image" descr="Image"/>
+          <p:cNvPicPr>
+            <a:picLocks noChangeAspect="1"/>
+          </p:cNvPicPr>
+          <p:nvPr/>
+        </p:nvPicPr>
+        <p:blipFill>
+          <a:blip r:embed="rId4"/>
+          <a:stretch>
+            <a:fillRect/>
+          </a:stretch>
+        </p:blipFill>
+        <p:spPr>
+          <a:xfrm>
+            <a:off x="889780" y="1831857"/>
+            <a:ext cx="3510206" cy="3194287"/>
+          </a:xfrm>
+          <a:prstGeom prst="rect">
+            <a:avLst/>
+          </a:prstGeom>
+          <a:ln w="12700">
+            <a:miter lim="400000"/>
+          </a:ln>
+        </p:spPr>
+      </p:pic>
+      <p:sp>
+        <p:nvSpPr>
+          <p:cNvPr id="352" name="A little more complicated example - samples from different conditions"/>
           <p:cNvSpPr txBox="1"/>
           <p:nvPr/>
         </p:nvSpPr>
@@ -6262,162 +6254,24 @@
           </a:p>
         </p:txBody>
       </p:sp>
-      <p:sp>
-        <p:nvSpPr>
-          <p:cNvPr id="340" name="Untreated"/>
-          <p:cNvSpPr txBox="1"/>
-          <p:nvPr/>
-        </p:nvSpPr>
-        <p:spPr>
-          <a:xfrm>
-            <a:off x="2004675" y="1526185"/>
-            <a:ext cx="1355949" cy="420628"/>
-          </a:xfrm>
-          <a:prstGeom prst="rect">
-            <a:avLst/>
-          </a:prstGeom>
-          <a:ln w="12700">
-            <a:miter lim="400000"/>
-          </a:ln>
-          <a:extLst>
-            <a:ext uri="{C572A759-6A51-4108-AA02-DFA0A04FC94B}">
-              <ma14:wrappingTextBoxFlag xmlns:ma14="http://schemas.microsoft.com/office/mac/drawingml/2011/main" xmlns:a14="http://schemas.microsoft.com/office/drawing/2010/main" xmlns:m="http://schemas.openxmlformats.org/officeDocument/2006/math" xmlns="" val="1"/>
-            </a:ext>
-          </a:extLst>
-        </p:spPr>
-        <p:txBody>
-          <a:bodyPr wrap="none" lIns="25400" tIns="25400" rIns="25400" bIns="25400" anchor="ctr">
-            <a:spAutoFit/>
-          </a:bodyPr>
-          <a:lstStyle>
-            <a:lvl1pPr>
-              <a:defRPr sz="4800" b="1"/>
-            </a:lvl1pPr>
-          </a:lstStyle>
-          <a:p>
-            <a:r>
-              <a:rPr sz="2400"/>
-              <a:t>Untreated</a:t>
-            </a:r>
-          </a:p>
-        </p:txBody>
-      </p:sp>
-      <p:sp>
-        <p:nvSpPr>
-          <p:cNvPr id="341" name="Treated"/>
-          <p:cNvSpPr txBox="1"/>
-          <p:nvPr/>
-        </p:nvSpPr>
-        <p:spPr>
-          <a:xfrm>
-            <a:off x="5376405" y="1526185"/>
-            <a:ext cx="1022459" cy="420628"/>
-          </a:xfrm>
-          <a:prstGeom prst="rect">
-            <a:avLst/>
-          </a:prstGeom>
-          <a:ln w="12700">
-            <a:miter lim="400000"/>
-          </a:ln>
-          <a:extLst>
-            <a:ext uri="{C572A759-6A51-4108-AA02-DFA0A04FC94B}">
-              <ma14:wrappingTextBoxFlag xmlns:ma14="http://schemas.microsoft.com/office/mac/drawingml/2011/main" xmlns:a14="http://schemas.microsoft.com/office/drawing/2010/main" xmlns:m="http://schemas.openxmlformats.org/officeDocument/2006/math" xmlns="" val="1"/>
-            </a:ext>
-          </a:extLst>
-        </p:spPr>
-        <p:txBody>
-          <a:bodyPr wrap="none" lIns="25400" tIns="25400" rIns="25400" bIns="25400" anchor="ctr">
-            <a:spAutoFit/>
-          </a:bodyPr>
-          <a:lstStyle>
-            <a:lvl1pPr>
-              <a:defRPr sz="4800" b="1"/>
-            </a:lvl1pPr>
-          </a:lstStyle>
-          <a:p>
-            <a:r>
-              <a:rPr sz="2400"/>
-              <a:t>Treated</a:t>
-            </a:r>
-          </a:p>
-        </p:txBody>
-      </p:sp>
-      <p:sp>
-        <p:nvSpPr>
-          <p:cNvPr id="342" name="Line"/>
-          <p:cNvSpPr/>
-          <p:nvPr/>
-        </p:nvSpPr>
-        <p:spPr>
-          <a:xfrm>
-            <a:off x="1584692" y="1990499"/>
-            <a:ext cx="2342480" cy="1"/>
-          </a:xfrm>
-          <a:prstGeom prst="line">
-            <a:avLst/>
-          </a:prstGeom>
-          <a:ln w="101600">
-            <a:solidFill>
-              <a:srgbClr val="000000"/>
-            </a:solidFill>
-            <a:miter lim="400000"/>
-          </a:ln>
-        </p:spPr>
-        <p:txBody>
-          <a:bodyPr lIns="25400" tIns="25400" rIns="25400" bIns="25400" anchor="ctr"/>
-          <a:lstStyle/>
-          <a:p>
-            <a:endParaRPr sz="900"/>
-          </a:p>
-        </p:txBody>
-      </p:sp>
-      <p:sp>
-        <p:nvSpPr>
-          <p:cNvPr id="343" name="Line"/>
-          <p:cNvSpPr/>
-          <p:nvPr/>
-        </p:nvSpPr>
-        <p:spPr>
-          <a:xfrm>
-            <a:off x="4778570" y="2040473"/>
-            <a:ext cx="2342480" cy="1"/>
-          </a:xfrm>
-          <a:prstGeom prst="line">
-            <a:avLst/>
-          </a:prstGeom>
-          <a:ln w="101600">
-            <a:solidFill>
-              <a:srgbClr val="000000"/>
-            </a:solidFill>
-            <a:miter lim="400000"/>
-          </a:ln>
-        </p:spPr>
-        <p:txBody>
-          <a:bodyPr lIns="25400" tIns="25400" rIns="25400" bIns="25400" anchor="ctr"/>
-          <a:lstStyle/>
-          <a:p>
-            <a:endParaRPr sz="900"/>
-          </a:p>
-        </p:txBody>
-      </p:sp>
       <p:pic>
         <p:nvPicPr>
-          <p:cNvPr id="344" name="Image" descr="Image"/>
+          <p:cNvPr id="353" name="Image" descr="Image"/>
           <p:cNvPicPr>
             <a:picLocks noChangeAspect="1"/>
           </p:cNvPicPr>
           <p:nvPr/>
         </p:nvPicPr>
         <p:blipFill>
-          <a:blip r:embed="rId4"/>
+          <a:blip r:embed="rId5"/>
           <a:stretch>
             <a:fillRect/>
           </a:stretch>
         </p:blipFill>
         <p:spPr>
           <a:xfrm>
-            <a:off x="8169033" y="2142844"/>
-            <a:ext cx="3510206" cy="3194288"/>
+            <a:off x="5312266" y="1746648"/>
+            <a:ext cx="5475550" cy="882045"/>
           </a:xfrm>
           <a:prstGeom prst="rect">
             <a:avLst/>
@@ -6427,86 +6281,6 @@
           </a:ln>
         </p:spPr>
       </p:pic>
-      <p:sp>
-        <p:nvSpPr>
-          <p:cNvPr id="345" name="Wide"/>
-          <p:cNvSpPr txBox="1"/>
-          <p:nvPr/>
-        </p:nvSpPr>
-        <p:spPr>
-          <a:xfrm>
-            <a:off x="3771499" y="3835594"/>
-            <a:ext cx="726161" cy="420628"/>
-          </a:xfrm>
-          <a:prstGeom prst="rect">
-            <a:avLst/>
-          </a:prstGeom>
-          <a:ln w="12700">
-            <a:miter lim="400000"/>
-          </a:ln>
-          <a:extLst>
-            <a:ext uri="{C572A759-6A51-4108-AA02-DFA0A04FC94B}">
-              <ma14:wrappingTextBoxFlag xmlns:ma14="http://schemas.microsoft.com/office/mac/drawingml/2011/main" xmlns:a14="http://schemas.microsoft.com/office/drawing/2010/main" xmlns:m="http://schemas.openxmlformats.org/officeDocument/2006/math" xmlns="" val="1"/>
-            </a:ext>
-          </a:extLst>
-        </p:spPr>
-        <p:txBody>
-          <a:bodyPr wrap="none" lIns="25400" tIns="25400" rIns="25400" bIns="25400" anchor="ctr">
-            <a:spAutoFit/>
-          </a:bodyPr>
-          <a:lstStyle>
-            <a:lvl1pPr>
-              <a:defRPr sz="4800" b="1"/>
-            </a:lvl1pPr>
-          </a:lstStyle>
-          <a:p>
-            <a:r>
-              <a:rPr sz="2400"/>
-              <a:t>Wide</a:t>
-            </a:r>
-          </a:p>
-        </p:txBody>
-      </p:sp>
-      <p:sp>
-        <p:nvSpPr>
-          <p:cNvPr id="346" name="Long"/>
-          <p:cNvSpPr txBox="1"/>
-          <p:nvPr/>
-        </p:nvSpPr>
-        <p:spPr>
-          <a:xfrm>
-            <a:off x="9528582" y="5396883"/>
-            <a:ext cx="657231" cy="420628"/>
-          </a:xfrm>
-          <a:prstGeom prst="rect">
-            <a:avLst/>
-          </a:prstGeom>
-          <a:ln w="12700">
-            <a:miter lim="400000"/>
-          </a:ln>
-          <a:extLst>
-            <a:ext uri="{C572A759-6A51-4108-AA02-DFA0A04FC94B}">
-              <ma14:wrappingTextBoxFlag xmlns:ma14="http://schemas.microsoft.com/office/mac/drawingml/2011/main" xmlns:a14="http://schemas.microsoft.com/office/drawing/2010/main" xmlns:m="http://schemas.openxmlformats.org/officeDocument/2006/math" xmlns="" val="1"/>
-            </a:ext>
-          </a:extLst>
-        </p:spPr>
-        <p:txBody>
-          <a:bodyPr wrap="none" lIns="25400" tIns="25400" rIns="25400" bIns="25400" anchor="ctr">
-            <a:spAutoFit/>
-          </a:bodyPr>
-          <a:lstStyle>
-            <a:lvl1pPr>
-              <a:defRPr sz="4800" b="1"/>
-            </a:lvl1pPr>
-          </a:lstStyle>
-          <a:p>
-            <a:r>
-              <a:rPr sz="2400"/>
-              <a:t>Long</a:t>
-            </a:r>
-          </a:p>
-        </p:txBody>
-      </p:sp>
     </p:spTree>
   </p:cSld>
   <p:clrMapOvr>
@@ -6534,7 +6308,7 @@
       </p:grpSpPr>
       <p:pic>
         <p:nvPicPr>
-          <p:cNvPr id="350" name="Image" descr="Image"/>
+          <p:cNvPr id="357" name="Image" descr="Image"/>
           <p:cNvPicPr>
             <a:picLocks noChangeAspect="1"/>
           </p:cNvPicPr>
@@ -6548,8 +6322,8 @@
         </p:blipFill>
         <p:spPr>
           <a:xfrm>
-            <a:off x="6672906" y="3124151"/>
-            <a:ext cx="5067520" cy="3091072"/>
+            <a:off x="889780" y="1831857"/>
+            <a:ext cx="3510206" cy="3194287"/>
           </a:xfrm>
           <a:prstGeom prst="rect">
             <a:avLst/>
@@ -6559,36 +6333,9 @@
           </a:ln>
         </p:spPr>
       </p:pic>
-      <p:pic>
-        <p:nvPicPr>
-          <p:cNvPr id="351" name="Image" descr="Image"/>
-          <p:cNvPicPr>
-            <a:picLocks noChangeAspect="1"/>
-          </p:cNvPicPr>
-          <p:nvPr/>
-        </p:nvPicPr>
-        <p:blipFill>
-          <a:blip r:embed="rId4"/>
-          <a:stretch>
-            <a:fillRect/>
-          </a:stretch>
-        </p:blipFill>
-        <p:spPr>
-          <a:xfrm>
-            <a:off x="889780" y="1831857"/>
-            <a:ext cx="3510206" cy="3194287"/>
-          </a:xfrm>
-          <a:prstGeom prst="rect">
-            <a:avLst/>
-          </a:prstGeom>
-          <a:ln w="12700">
-            <a:miter lim="400000"/>
-          </a:ln>
-        </p:spPr>
-      </p:pic>
-      <p:sp>
-        <p:nvSpPr>
-          <p:cNvPr id="352" name="A little more complicated example - samples from different conditions"/>
+      <p:sp>
+        <p:nvSpPr>
+          <p:cNvPr id="358" name="A little more complicated example - samples from different conditions"/>
           <p:cNvSpPr txBox="1"/>
           <p:nvPr/>
         </p:nvSpPr>
@@ -6628,7 +6375,34 @@
       </p:sp>
       <p:pic>
         <p:nvPicPr>
-          <p:cNvPr id="353" name="Image" descr="Image"/>
+          <p:cNvPr id="359" name="Image" descr="Image"/>
+          <p:cNvPicPr>
+            <a:picLocks noChangeAspect="1"/>
+          </p:cNvPicPr>
+          <p:nvPr/>
+        </p:nvPicPr>
+        <p:blipFill>
+          <a:blip r:embed="rId4"/>
+          <a:stretch>
+            <a:fillRect/>
+          </a:stretch>
+        </p:blipFill>
+        <p:spPr>
+          <a:xfrm>
+            <a:off x="4859685" y="3045933"/>
+            <a:ext cx="6626289" cy="3194287"/>
+          </a:xfrm>
+          <a:prstGeom prst="rect">
+            <a:avLst/>
+          </a:prstGeom>
+          <a:ln w="12700">
+            <a:miter lim="400000"/>
+          </a:ln>
+        </p:spPr>
+      </p:pic>
+      <p:pic>
+        <p:nvPicPr>
+          <p:cNvPr id="360" name="Image" descr="Image"/>
           <p:cNvPicPr>
             <a:picLocks noChangeAspect="1"/>
           </p:cNvPicPr>
@@ -6642,8 +6416,8 @@
         </p:blipFill>
         <p:spPr>
           <a:xfrm>
-            <a:off x="5312266" y="1746648"/>
-            <a:ext cx="5475550" cy="882045"/>
+            <a:off x="4602042" y="1695828"/>
+            <a:ext cx="7141574" cy="828009"/>
           </a:xfrm>
           <a:prstGeom prst="rect">
             <a:avLst/>
@@ -6678,9 +6452,88 @@
           <a:chExt cx="0" cy="0"/>
         </a:xfrm>
       </p:grpSpPr>
+      <p:sp>
+        <p:nvSpPr>
+          <p:cNvPr id="2" name="TextBox 1">
+            <a:extLst>
+              <a:ext uri="{FF2B5EF4-FFF2-40B4-BE49-F238E27FC236}">
+                <a16:creationId xmlns:a16="http://schemas.microsoft.com/office/drawing/2014/main" id="{EE23F229-A1B6-0446-00FC-B1B1D54C5CFE}"/>
+              </a:ext>
+            </a:extLst>
+          </p:cNvPr>
+          <p:cNvSpPr txBox="1"/>
+          <p:nvPr/>
+        </p:nvSpPr>
+        <p:spPr>
+          <a:xfrm>
+            <a:off x="4421606" y="150395"/>
+            <a:ext cx="2794932" cy="369332"/>
+          </a:xfrm>
+          <a:prstGeom prst="rect">
+            <a:avLst/>
+          </a:prstGeom>
+          <a:noFill/>
+        </p:spPr>
+        <p:txBody>
+          <a:bodyPr wrap="none" rtlCol="0">
+            <a:spAutoFit/>
+          </a:bodyPr>
+          <a:lstStyle/>
+          <a:p>
+            <a:r>
+              <a:rPr lang="en-US" dirty="0"/>
+              <a:t>There are many </a:t>
+            </a:r>
+            <a:r>
+              <a:rPr lang="en-US" dirty="0" err="1"/>
+              <a:t>geom</a:t>
+            </a:r>
+            <a:r>
+              <a:rPr lang="en-US" dirty="0"/>
+              <a:t> types</a:t>
+            </a:r>
+          </a:p>
+        </p:txBody>
+      </p:sp>
       <p:pic>
         <p:nvPicPr>
-          <p:cNvPr id="357" name="Image" descr="Image"/>
+          <p:cNvPr id="3" name="Picture 2">
+            <a:extLst>
+              <a:ext uri="{FF2B5EF4-FFF2-40B4-BE49-F238E27FC236}">
+                <a16:creationId xmlns:a16="http://schemas.microsoft.com/office/drawing/2014/main" id="{739D2904-7AF1-B407-63CF-27FC539ADD4D}"/>
+              </a:ext>
+            </a:extLst>
+          </p:cNvPr>
+          <p:cNvPicPr>
+            <a:picLocks noChangeAspect="1"/>
+          </p:cNvPicPr>
+          <p:nvPr/>
+        </p:nvPicPr>
+        <p:blipFill>
+          <a:blip r:embed="rId2"/>
+          <a:stretch>
+            <a:fillRect/>
+          </a:stretch>
+        </p:blipFill>
+        <p:spPr>
+          <a:xfrm>
+            <a:off x="1292617" y="731520"/>
+            <a:ext cx="3611018" cy="5831058"/>
+          </a:xfrm>
+          <a:prstGeom prst="rect">
+            <a:avLst/>
+          </a:prstGeom>
+        </p:spPr>
+      </p:pic>
+      <p:pic>
+        <p:nvPicPr>
+          <p:cNvPr id="4" name="Picture 3">
+            <a:extLst>
+              <a:ext uri="{FF2B5EF4-FFF2-40B4-BE49-F238E27FC236}">
+                <a16:creationId xmlns:a16="http://schemas.microsoft.com/office/drawing/2014/main" id="{D0F3C31B-97A0-2A58-E665-EACC45DD2F57}"/>
+              </a:ext>
+            </a:extLst>
+          </p:cNvPr>
           <p:cNvPicPr>
             <a:picLocks noChangeAspect="1"/>
           </p:cNvPicPr>
@@ -6694,112 +6547,55 @@
         </p:blipFill>
         <p:spPr>
           <a:xfrm>
-            <a:off x="889780" y="1831857"/>
-            <a:ext cx="3510206" cy="3194287"/>
-          </a:xfrm>
-          <a:prstGeom prst="rect">
-            <a:avLst/>
-          </a:prstGeom>
-          <a:ln w="12700">
-            <a:miter lim="400000"/>
-          </a:ln>
+            <a:off x="5868335" y="731520"/>
+            <a:ext cx="4007185" cy="5877546"/>
+          </a:xfrm>
+          <a:prstGeom prst="rect">
+            <a:avLst/>
+          </a:prstGeom>
         </p:spPr>
       </p:pic>
       <p:sp>
         <p:nvSpPr>
-          <p:cNvPr id="358" name="A little more complicated example - samples from different conditions"/>
+          <p:cNvPr id="6" name="TextBox 5">
+            <a:extLst>
+              <a:ext uri="{FF2B5EF4-FFF2-40B4-BE49-F238E27FC236}">
+                <a16:creationId xmlns:a16="http://schemas.microsoft.com/office/drawing/2014/main" id="{F0586E30-DD1D-65EA-CA6D-B6B67F2A1887}"/>
+              </a:ext>
+            </a:extLst>
+          </p:cNvPr>
           <p:cNvSpPr txBox="1"/>
           <p:nvPr/>
         </p:nvSpPr>
         <p:spPr>
           <a:xfrm>
-            <a:off x="1197886" y="163197"/>
-            <a:ext cx="8978099" cy="420628"/>
-          </a:xfrm>
-          <a:prstGeom prst="rect">
-            <a:avLst/>
-          </a:prstGeom>
-          <a:ln w="12700">
-            <a:miter lim="400000"/>
-          </a:ln>
-          <a:extLst>
-            <a:ext uri="{C572A759-6A51-4108-AA02-DFA0A04FC94B}">
-              <ma14:wrappingTextBoxFlag xmlns:ma14="http://schemas.microsoft.com/office/mac/drawingml/2011/main" xmlns:a14="http://schemas.microsoft.com/office/drawing/2010/main" xmlns:m="http://schemas.openxmlformats.org/officeDocument/2006/math" xmlns="" val="1"/>
-            </a:ext>
-          </a:extLst>
-        </p:spPr>
-        <p:txBody>
-          <a:bodyPr wrap="none" lIns="25400" tIns="25400" rIns="25400" bIns="25400" anchor="ctr">
+            <a:off x="105693" y="158234"/>
+            <a:ext cx="4051218" cy="307777"/>
+          </a:xfrm>
+          <a:prstGeom prst="rect">
+            <a:avLst/>
+          </a:prstGeom>
+          <a:noFill/>
+        </p:spPr>
+        <p:txBody>
+          <a:bodyPr wrap="square">
             <a:spAutoFit/>
           </a:bodyPr>
-          <a:lstStyle>
-            <a:lvl1pPr>
-              <a:defRPr sz="4800" b="1"/>
-            </a:lvl1pPr>
-          </a:lstStyle>
-          <a:p>
-            <a:r>
-              <a:rPr sz="2400"/>
-              <a:t>A little more complicated example - samples from different conditions</a:t>
-            </a:r>
-          </a:p>
-        </p:txBody>
-      </p:sp>
-      <p:pic>
-        <p:nvPicPr>
-          <p:cNvPr id="359" name="Image" descr="Image"/>
-          <p:cNvPicPr>
-            <a:picLocks noChangeAspect="1"/>
-          </p:cNvPicPr>
-          <p:nvPr/>
-        </p:nvPicPr>
-        <p:blipFill>
-          <a:blip r:embed="rId4"/>
-          <a:stretch>
-            <a:fillRect/>
-          </a:stretch>
-        </p:blipFill>
-        <p:spPr>
-          <a:xfrm>
-            <a:off x="4859685" y="3045933"/>
-            <a:ext cx="6626289" cy="3194287"/>
-          </a:xfrm>
-          <a:prstGeom prst="rect">
-            <a:avLst/>
-          </a:prstGeom>
-          <a:ln w="12700">
-            <a:miter lim="400000"/>
-          </a:ln>
-        </p:spPr>
-      </p:pic>
-      <p:pic>
-        <p:nvPicPr>
-          <p:cNvPr id="360" name="Image" descr="Image"/>
-          <p:cNvPicPr>
-            <a:picLocks noChangeAspect="1"/>
-          </p:cNvPicPr>
-          <p:nvPr/>
-        </p:nvPicPr>
-        <p:blipFill>
-          <a:blip r:embed="rId5"/>
-          <a:stretch>
-            <a:fillRect/>
-          </a:stretch>
-        </p:blipFill>
-        <p:spPr>
-          <a:xfrm>
-            <a:off x="4602042" y="1695828"/>
-            <a:ext cx="7141574" cy="828009"/>
-          </a:xfrm>
-          <a:prstGeom prst="rect">
-            <a:avLst/>
-          </a:prstGeom>
-          <a:ln w="12700">
-            <a:miter lim="400000"/>
-          </a:ln>
-        </p:spPr>
-      </p:pic>
+          <a:lstStyle/>
+          <a:p>
+            <a:r>
+              <a:rPr lang="en-US" sz="1400" dirty="0"/>
+              <a:t>https://ggplot2.tidyverse.org/reference/</a:t>
+            </a:r>
+          </a:p>
+        </p:txBody>
+      </p:sp>
     </p:spTree>
+    <p:extLst>
+      <p:ext uri="{BB962C8B-B14F-4D97-AF65-F5344CB8AC3E}">
+        <p14:creationId xmlns:p14="http://schemas.microsoft.com/office/powerpoint/2010/main" val="3139845781"/>
+      </p:ext>
+    </p:extLst>
   </p:cSld>
   <p:clrMapOvr>
     <a:masterClrMapping/>
@@ -6824,12 +6620,174 @@
           <a:chExt cx="0" cy="0"/>
         </a:xfrm>
       </p:grpSpPr>
+      <p:sp>
+        <p:nvSpPr>
+          <p:cNvPr id="311" name="Recap"/>
+          <p:cNvSpPr txBox="1"/>
+          <p:nvPr/>
+        </p:nvSpPr>
+        <p:spPr>
+          <a:xfrm>
+            <a:off x="5819759" y="383337"/>
+            <a:ext cx="51361" cy="420628"/>
+          </a:xfrm>
+          <a:prstGeom prst="rect">
+            <a:avLst/>
+          </a:prstGeom>
+          <a:ln w="12700">
+            <a:miter lim="400000"/>
+          </a:ln>
+          <a:extLst>
+            <a:ext uri="{C572A759-6A51-4108-AA02-DFA0A04FC94B}">
+              <ma14:wrappingTextBoxFlag xmlns:ma14="http://schemas.microsoft.com/office/mac/drawingml/2011/main" xmlns:a14="http://schemas.microsoft.com/office/drawing/2010/main" xmlns:m="http://schemas.openxmlformats.org/officeDocument/2006/math" xmlns="" val="1"/>
+            </a:ext>
+          </a:extLst>
+        </p:spPr>
+        <p:txBody>
+          <a:bodyPr wrap="none" lIns="25400" tIns="25400" rIns="25400" bIns="25400" anchor="ctr">
+            <a:spAutoFit/>
+          </a:bodyPr>
+          <a:lstStyle>
+            <a:lvl1pPr>
+              <a:defRPr sz="4800"/>
+            </a:lvl1pPr>
+          </a:lstStyle>
+          <a:p>
+            <a:endParaRPr sz="2400" dirty="0"/>
+          </a:p>
+        </p:txBody>
+      </p:sp>
+      <p:sp>
+        <p:nvSpPr>
+          <p:cNvPr id="312" name="Installing/loading libraries  - library()…"/>
+          <p:cNvSpPr txBox="1"/>
+          <p:nvPr/>
+        </p:nvSpPr>
+        <p:spPr>
+          <a:xfrm>
+            <a:off x="2170887" y="1184653"/>
+            <a:ext cx="7850226" cy="974626"/>
+          </a:xfrm>
+          <a:prstGeom prst="rect">
+            <a:avLst/>
+          </a:prstGeom>
+          <a:ln w="12700">
+            <a:miter lim="400000"/>
+          </a:ln>
+          <a:extLst>
+            <a:ext uri="{C572A759-6A51-4108-AA02-DFA0A04FC94B}">
+              <ma14:wrappingTextBoxFlag xmlns:ma14="http://schemas.microsoft.com/office/mac/drawingml/2011/main" xmlns:a14="http://schemas.microsoft.com/office/drawing/2010/main" xmlns:m="http://schemas.openxmlformats.org/officeDocument/2006/math" xmlns="" val="1"/>
+            </a:ext>
+          </a:extLst>
+        </p:spPr>
+        <p:txBody>
+          <a:bodyPr wrap="none" lIns="25400" tIns="25400" rIns="25400" bIns="25400" anchor="ctr">
+            <a:spAutoFit/>
+          </a:bodyPr>
+          <a:lstStyle/>
+          <a:p>
+            <a:pPr marL="152400" indent="-152400">
+              <a:buSzPct val="123000"/>
+              <a:buChar char="•"/>
+              <a:defRPr sz="4000"/>
+            </a:pPr>
+            <a:r>
+              <a:rPr sz="2000" dirty="0"/>
+              <a:t>Installing/loading libraries  - library()</a:t>
+            </a:r>
+          </a:p>
+          <a:p>
+            <a:pPr marL="152400" indent="-152400">
+              <a:buSzPct val="123000"/>
+              <a:buChar char="•"/>
+              <a:defRPr sz="4000"/>
+            </a:pPr>
+            <a:r>
+              <a:rPr sz="2000" dirty="0"/>
+              <a:t>Filter/Grouping/Summarizing - filter(), </a:t>
+            </a:r>
+            <a:r>
+              <a:rPr sz="2000" dirty="0" err="1"/>
+              <a:t>group_by</a:t>
+            </a:r>
+            <a:r>
+              <a:rPr sz="2000" dirty="0"/>
+              <a:t>(), </a:t>
+            </a:r>
+            <a:r>
+              <a:rPr sz="2000" dirty="0" err="1"/>
+              <a:t>summarise</a:t>
+            </a:r>
+            <a:r>
+              <a:rPr sz="2000" dirty="0"/>
+              <a:t>(), mutate()</a:t>
+            </a:r>
+          </a:p>
+          <a:p>
+            <a:pPr marL="152400" indent="-152400">
+              <a:buSzPct val="123000"/>
+              <a:buChar char="•"/>
+              <a:defRPr sz="4000"/>
+            </a:pPr>
+            <a:r>
+              <a:rPr sz="2000" dirty="0"/>
+              <a:t>Importing Data - </a:t>
+            </a:r>
+            <a:r>
+              <a:rPr sz="2000" dirty="0" err="1"/>
+              <a:t>read_csv</a:t>
+            </a:r>
+            <a:r>
+              <a:rPr sz="2000" dirty="0"/>
+              <a:t>(), </a:t>
+            </a:r>
+            <a:r>
+              <a:rPr sz="2000" dirty="0" err="1"/>
+              <a:t>read_tsv</a:t>
+            </a:r>
+            <a:r>
+              <a:rPr sz="2000" dirty="0"/>
+              <a:t>()</a:t>
+            </a:r>
+          </a:p>
+        </p:txBody>
+      </p:sp>
+      <p:sp>
+        <p:nvSpPr>
+          <p:cNvPr id="2" name="TextBox 1">
+            <a:extLst>
+              <a:ext uri="{FF2B5EF4-FFF2-40B4-BE49-F238E27FC236}">
+                <a16:creationId xmlns:a16="http://schemas.microsoft.com/office/drawing/2014/main" id="{E9D58880-F304-2884-78F0-DEE8B9D1069D}"/>
+              </a:ext>
+            </a:extLst>
+          </p:cNvPr>
+          <p:cNvSpPr txBox="1"/>
+          <p:nvPr/>
+        </p:nvSpPr>
+        <p:spPr>
+          <a:xfrm>
+            <a:off x="5177993" y="360875"/>
+            <a:ext cx="3976828" cy="369332"/>
+          </a:xfrm>
+          <a:prstGeom prst="rect">
+            <a:avLst/>
+          </a:prstGeom>
+          <a:noFill/>
+        </p:spPr>
+        <p:txBody>
+          <a:bodyPr wrap="square" rtlCol="0">
+            <a:spAutoFit/>
+          </a:bodyPr>
+          <a:lstStyle/>
+          <a:p>
+            <a:r>
+              <a:rPr lang="en-US" dirty="0"/>
+              <a:t>Last time</a:t>
+            </a:r>
+          </a:p>
+        </p:txBody>
+      </p:sp>
     </p:spTree>
-    <p:extLst>
-      <p:ext uri="{BB962C8B-B14F-4D97-AF65-F5344CB8AC3E}">
-        <p14:creationId xmlns:p14="http://schemas.microsoft.com/office/powerpoint/2010/main" val="1640035861"/>
-      </p:ext>
-    </p:extLst>
   </p:cSld>
   <p:clrMapOvr>
     <a:masterClrMapping/>
@@ -10607,14 +10565,14 @@
       </p:grpSpPr>
       <p:sp>
         <p:nvSpPr>
-          <p:cNvPr id="311" name="Recap"/>
+          <p:cNvPr id="314" name="install.packages(‘nycflights13’)"/>
           <p:cNvSpPr txBox="1"/>
           <p:nvPr/>
         </p:nvSpPr>
         <p:spPr>
           <a:xfrm>
-            <a:off x="5819759" y="383337"/>
-            <a:ext cx="51361" cy="420628"/>
+            <a:off x="166572" y="114454"/>
+            <a:ext cx="3216778" cy="359073"/>
           </a:xfrm>
           <a:prstGeom prst="rect">
             <a:avLst/>
@@ -10634,24 +10592,31 @@
           </a:bodyPr>
           <a:lstStyle>
             <a:lvl1pPr>
-              <a:defRPr sz="4800"/>
+              <a:defRPr sz="4000"/>
             </a:lvl1pPr>
           </a:lstStyle>
           <a:p>
-            <a:endParaRPr sz="2400" dirty="0"/>
-          </a:p>
-        </p:txBody>
-      </p:sp>
-      <p:sp>
-        <p:nvSpPr>
-          <p:cNvPr id="312" name="Installing/loading libraries  - library()…"/>
+            <a:r>
+              <a:rPr sz="2000" dirty="0" err="1"/>
+              <a:t>install.packages</a:t>
+            </a:r>
+            <a:r>
+              <a:rPr sz="2000" dirty="0"/>
+              <a:t>(‘nycflights13’)</a:t>
+            </a:r>
+          </a:p>
+        </p:txBody>
+      </p:sp>
+      <p:sp>
+        <p:nvSpPr>
+          <p:cNvPr id="315" name="data(ToothGrowth)"/>
           <p:cNvSpPr txBox="1"/>
           <p:nvPr/>
         </p:nvSpPr>
         <p:spPr>
           <a:xfrm>
-            <a:off x="2170887" y="1184653"/>
-            <a:ext cx="7850226" cy="974626"/>
+            <a:off x="780182" y="1570088"/>
+            <a:ext cx="51361" cy="328295"/>
           </a:xfrm>
           <a:prstGeom prst="rect">
             <a:avLst/>
@@ -10669,80 +10634,60 @@
           <a:bodyPr wrap="none" lIns="25400" tIns="25400" rIns="25400" bIns="25400" anchor="ctr">
             <a:spAutoFit/>
           </a:bodyPr>
+          <a:lstStyle>
+            <a:lvl1pPr>
+              <a:defRPr sz="3600"/>
+            </a:lvl1pPr>
+          </a:lstStyle>
+          <a:p>
+            <a:endParaRPr sz="1800" dirty="0"/>
+          </a:p>
+        </p:txBody>
+      </p:sp>
+      <p:sp>
+        <p:nvSpPr>
+          <p:cNvPr id="316" name="How many observations for each treatment?…"/>
+          <p:cNvSpPr txBox="1"/>
+          <p:nvPr/>
+        </p:nvSpPr>
+        <p:spPr>
+          <a:xfrm>
+            <a:off x="3585310" y="3236384"/>
+            <a:ext cx="166712" cy="282129"/>
+          </a:xfrm>
+          <a:prstGeom prst="rect">
+            <a:avLst/>
+          </a:prstGeom>
+          <a:ln w="12700">
+            <a:miter lim="400000"/>
+          </a:ln>
+          <a:extLst>
+            <a:ext uri="{C572A759-6A51-4108-AA02-DFA0A04FC94B}">
+              <ma14:wrappingTextBoxFlag xmlns:ma14="http://schemas.microsoft.com/office/mac/drawingml/2011/main" xmlns:a14="http://schemas.microsoft.com/office/drawing/2010/main" xmlns:m="http://schemas.openxmlformats.org/officeDocument/2006/math" xmlns="" val="1"/>
+            </a:ext>
+          </a:extLst>
+        </p:spPr>
+        <p:txBody>
+          <a:bodyPr wrap="none" lIns="25400" tIns="25400" rIns="25400" bIns="25400" anchor="ctr">
+            <a:spAutoFit/>
+          </a:bodyPr>
           <a:lstStyle/>
           <a:p>
-            <a:pPr marL="152400" indent="-152400">
-              <a:buSzPct val="123000"/>
+            <a:pPr marL="114300" indent="-114300">
+              <a:buSzPct val="100000"/>
               <a:buChar char="•"/>
-              <a:defRPr sz="4000"/>
+              <a:defRPr sz="3000"/>
             </a:pPr>
-            <a:r>
-              <a:rPr sz="2000" dirty="0"/>
-              <a:t>Installing/loading libraries  - library()</a:t>
-            </a:r>
-          </a:p>
-          <a:p>
-            <a:pPr marL="152400" indent="-152400">
-              <a:buSzPct val="123000"/>
-              <a:buChar char="•"/>
-              <a:defRPr sz="4000"/>
-            </a:pPr>
-            <a:r>
-              <a:rPr sz="2000" dirty="0"/>
-              <a:t>Filter/Grouping/Summarizing - filter(), </a:t>
-            </a:r>
-            <a:r>
-              <a:rPr sz="2000" dirty="0" err="1"/>
-              <a:t>group_by</a:t>
-            </a:r>
-            <a:r>
-              <a:rPr sz="2000" dirty="0"/>
-              <a:t>(), </a:t>
-            </a:r>
-            <a:r>
-              <a:rPr sz="2000" dirty="0" err="1"/>
-              <a:t>summarise</a:t>
-            </a:r>
-            <a:r>
-              <a:rPr sz="2000" dirty="0"/>
-              <a:t>(), mutate()</a:t>
-            </a:r>
-          </a:p>
-          <a:p>
-            <a:pPr marL="152400" indent="-152400">
-              <a:buSzPct val="123000"/>
-              <a:buChar char="•"/>
-              <a:defRPr sz="4000"/>
-            </a:pPr>
-            <a:r>
-              <a:rPr sz="2000" dirty="0"/>
-              <a:t>Importing Data - </a:t>
-            </a:r>
-            <a:r>
-              <a:rPr sz="2000" dirty="0" err="1"/>
-              <a:t>read_csv</a:t>
-            </a:r>
-            <a:r>
-              <a:rPr sz="2000" dirty="0"/>
-              <a:t>(), </a:t>
-            </a:r>
-            <a:r>
-              <a:rPr sz="2000" dirty="0" err="1"/>
-              <a:t>read_tsv</a:t>
-            </a:r>
-            <a:r>
-              <a:rPr sz="2000" dirty="0"/>
-              <a:t>()</a:t>
-            </a:r>
-          </a:p>
-        </p:txBody>
-      </p:sp>
-      <p:sp>
-        <p:nvSpPr>
-          <p:cNvPr id="2" name="TextBox 1">
-            <a:extLst>
-              <a:ext uri="{FF2B5EF4-FFF2-40B4-BE49-F238E27FC236}">
-                <a16:creationId xmlns:a16="http://schemas.microsoft.com/office/drawing/2014/main" id="{E9D58880-F304-2884-78F0-DEE8B9D1069D}"/>
+            <a:endParaRPr sz="1500" dirty="0"/>
+          </a:p>
+        </p:txBody>
+      </p:sp>
+      <p:sp>
+        <p:nvSpPr>
+          <p:cNvPr id="3" name="TextBox 2">
+            <a:extLst>
+              <a:ext uri="{FF2B5EF4-FFF2-40B4-BE49-F238E27FC236}">
+                <a16:creationId xmlns:a16="http://schemas.microsoft.com/office/drawing/2014/main" id="{B480CC13-B99C-66C6-65F4-DA3A79B21A2F}"/>
               </a:ext>
             </a:extLst>
           </p:cNvPr>
@@ -10751,8 +10696,8 @@
         </p:nvSpPr>
         <p:spPr>
           <a:xfrm>
-            <a:off x="5177993" y="360875"/>
-            <a:ext cx="3976828" cy="369332"/>
+            <a:off x="5308485" y="202740"/>
+            <a:ext cx="1683986" cy="369332"/>
           </a:xfrm>
           <a:prstGeom prst="rect">
             <a:avLst/>
@@ -10767,7 +10712,174 @@
           <a:p>
             <a:r>
               <a:rPr lang="en-US" dirty="0"/>
-              <a:t>Last time</a:t>
+              <a:t>Practice</a:t>
+            </a:r>
+          </a:p>
+        </p:txBody>
+      </p:sp>
+      <p:pic>
+        <p:nvPicPr>
+          <p:cNvPr id="5" name="Picture 4">
+            <a:extLst>
+              <a:ext uri="{FF2B5EF4-FFF2-40B4-BE49-F238E27FC236}">
+                <a16:creationId xmlns:a16="http://schemas.microsoft.com/office/drawing/2014/main" id="{434F984D-EC51-95A9-D2F1-6F72E403D109}"/>
+              </a:ext>
+            </a:extLst>
+          </p:cNvPr>
+          <p:cNvPicPr>
+            <a:picLocks noChangeAspect="1"/>
+          </p:cNvPicPr>
+          <p:nvPr/>
+        </p:nvPicPr>
+        <p:blipFill>
+          <a:blip r:embed="rId2"/>
+          <a:stretch>
+            <a:fillRect/>
+          </a:stretch>
+        </p:blipFill>
+        <p:spPr>
+          <a:xfrm>
+            <a:off x="3438655" y="1144586"/>
+            <a:ext cx="7772400" cy="1585305"/>
+          </a:xfrm>
+          <a:prstGeom prst="rect">
+            <a:avLst/>
+          </a:prstGeom>
+        </p:spPr>
+      </p:pic>
+      <p:pic>
+        <p:nvPicPr>
+          <p:cNvPr id="6" name="Picture 5">
+            <a:extLst>
+              <a:ext uri="{FF2B5EF4-FFF2-40B4-BE49-F238E27FC236}">
+                <a16:creationId xmlns:a16="http://schemas.microsoft.com/office/drawing/2014/main" id="{A8D5D959-2E35-7386-C195-325470631E31}"/>
+              </a:ext>
+            </a:extLst>
+          </p:cNvPr>
+          <p:cNvPicPr>
+            <a:picLocks noChangeAspect="1"/>
+          </p:cNvPicPr>
+          <p:nvPr/>
+        </p:nvPicPr>
+        <p:blipFill>
+          <a:blip r:embed="rId3"/>
+          <a:stretch>
+            <a:fillRect/>
+          </a:stretch>
+        </p:blipFill>
+        <p:spPr>
+          <a:xfrm>
+            <a:off x="3438655" y="2972088"/>
+            <a:ext cx="7772400" cy="1854687"/>
+          </a:xfrm>
+          <a:prstGeom prst="rect">
+            <a:avLst/>
+          </a:prstGeom>
+        </p:spPr>
+      </p:pic>
+      <p:sp>
+        <p:nvSpPr>
+          <p:cNvPr id="7" name="TextBox 6">
+            <a:extLst>
+              <a:ext uri="{FF2B5EF4-FFF2-40B4-BE49-F238E27FC236}">
+                <a16:creationId xmlns:a16="http://schemas.microsoft.com/office/drawing/2014/main" id="{1EEBD7FF-A83D-B147-E7F3-1E9F8B336E5A}"/>
+              </a:ext>
+            </a:extLst>
+          </p:cNvPr>
+          <p:cNvSpPr txBox="1"/>
+          <p:nvPr/>
+        </p:nvSpPr>
+        <p:spPr>
+          <a:xfrm>
+            <a:off x="294310" y="473527"/>
+            <a:ext cx="2018367" cy="6463308"/>
+          </a:xfrm>
+          <a:prstGeom prst="rect">
+            <a:avLst/>
+          </a:prstGeom>
+          <a:noFill/>
+        </p:spPr>
+        <p:txBody>
+          <a:bodyPr wrap="square" rtlCol="0">
+            <a:spAutoFit/>
+          </a:bodyPr>
+          <a:lstStyle/>
+          <a:p>
+            <a:pPr marL="285750" indent="-285750">
+              <a:buFont typeface="Arial" panose="020B0604020202020204" pitchFamily="34" charset="0"/>
+              <a:buChar char="•"/>
+            </a:pPr>
+            <a:r>
+              <a:rPr lang="en-US" dirty="0"/>
+              <a:t>How many flights originated at each airport</a:t>
+            </a:r>
+          </a:p>
+          <a:p>
+            <a:pPr marL="285750" indent="-285750">
+              <a:buFont typeface="Arial" panose="020B0604020202020204" pitchFamily="34" charset="0"/>
+              <a:buChar char="•"/>
+            </a:pPr>
+            <a:endParaRPr lang="en-US" dirty="0"/>
+          </a:p>
+          <a:p>
+            <a:pPr marL="285750" indent="-285750">
+              <a:buFont typeface="Arial" panose="020B0604020202020204" pitchFamily="34" charset="0"/>
+              <a:buChar char="•"/>
+            </a:pPr>
+            <a:r>
+              <a:rPr lang="en-US" dirty="0"/>
+              <a:t>How long was the average flight that left EWR (Newark)</a:t>
+            </a:r>
+          </a:p>
+          <a:p>
+            <a:pPr marL="285750" indent="-285750">
+              <a:buFont typeface="Arial" panose="020B0604020202020204" pitchFamily="34" charset="0"/>
+              <a:buChar char="•"/>
+            </a:pPr>
+            <a:endParaRPr lang="en-US" dirty="0"/>
+          </a:p>
+          <a:p>
+            <a:pPr marL="285750" indent="-285750">
+              <a:buFont typeface="Arial" panose="020B0604020202020204" pitchFamily="34" charset="0"/>
+              <a:buChar char="•"/>
+            </a:pPr>
+            <a:r>
+              <a:rPr lang="en-US" dirty="0"/>
+              <a:t>What airport had the longest average arrival delay </a:t>
+            </a:r>
+          </a:p>
+          <a:p>
+            <a:pPr marL="285750" indent="-285750">
+              <a:buFont typeface="Arial" panose="020B0604020202020204" pitchFamily="34" charset="0"/>
+              <a:buChar char="•"/>
+            </a:pPr>
+            <a:endParaRPr lang="en-US" dirty="0"/>
+          </a:p>
+          <a:p>
+            <a:pPr marL="285750" indent="-285750">
+              <a:buFont typeface="Arial" panose="020B0604020202020204" pitchFamily="34" charset="0"/>
+              <a:buChar char="•"/>
+            </a:pPr>
+            <a:r>
+              <a:rPr lang="en-US" dirty="0"/>
+              <a:t>Which carrier had the most departure delays (&gt; 0)</a:t>
+            </a:r>
+          </a:p>
+          <a:p>
+            <a:pPr marL="285750" indent="-285750">
+              <a:buFont typeface="Arial" panose="020B0604020202020204" pitchFamily="34" charset="0"/>
+              <a:buChar char="•"/>
+            </a:pPr>
+            <a:endParaRPr lang="en-US" dirty="0"/>
+          </a:p>
+          <a:p>
+            <a:pPr marL="285750" indent="-285750">
+              <a:buFont typeface="Arial" panose="020B0604020202020204" pitchFamily="34" charset="0"/>
+              <a:buChar char="•"/>
+            </a:pPr>
+            <a:r>
+              <a:rPr lang="en-US" dirty="0"/>
+              <a:t>How many flights per month</a:t>
             </a:r>
           </a:p>
         </p:txBody>
@@ -11005,139 +11117,20 @@
       </p:grpSpPr>
       <p:sp>
         <p:nvSpPr>
-          <p:cNvPr id="314" name="install.packages(‘nycflights13’)"/>
+          <p:cNvPr id="2" name="TextBox 1">
+            <a:extLst>
+              <a:ext uri="{FF2B5EF4-FFF2-40B4-BE49-F238E27FC236}">
+                <a16:creationId xmlns:a16="http://schemas.microsoft.com/office/drawing/2014/main" id="{BF7D0C15-9868-0394-584D-B1F548C00E08}"/>
+              </a:ext>
+            </a:extLst>
+          </p:cNvPr>
           <p:cNvSpPr txBox="1"/>
           <p:nvPr/>
         </p:nvSpPr>
         <p:spPr>
           <a:xfrm>
-            <a:off x="780182" y="764159"/>
-            <a:ext cx="3216778" cy="359073"/>
-          </a:xfrm>
-          <a:prstGeom prst="rect">
-            <a:avLst/>
-          </a:prstGeom>
-          <a:ln w="12700">
-            <a:miter lim="400000"/>
-          </a:ln>
-          <a:extLst>
-            <a:ext uri="{C572A759-6A51-4108-AA02-DFA0A04FC94B}">
-              <ma14:wrappingTextBoxFlag xmlns:ma14="http://schemas.microsoft.com/office/mac/drawingml/2011/main" xmlns:a14="http://schemas.microsoft.com/office/drawing/2010/main" xmlns:m="http://schemas.openxmlformats.org/officeDocument/2006/math" xmlns="" val="1"/>
-            </a:ext>
-          </a:extLst>
-        </p:spPr>
-        <p:txBody>
-          <a:bodyPr wrap="none" lIns="25400" tIns="25400" rIns="25400" bIns="25400" anchor="ctr">
-            <a:spAutoFit/>
-          </a:bodyPr>
-          <a:lstStyle>
-            <a:lvl1pPr>
-              <a:defRPr sz="4000"/>
-            </a:lvl1pPr>
-          </a:lstStyle>
-          <a:p>
-            <a:r>
-              <a:rPr sz="2000" dirty="0" err="1"/>
-              <a:t>install.packages</a:t>
-            </a:r>
-            <a:r>
-              <a:rPr sz="2000" dirty="0"/>
-              <a:t>(‘nycflights13’)</a:t>
-            </a:r>
-          </a:p>
-        </p:txBody>
-      </p:sp>
-      <p:sp>
-        <p:nvSpPr>
-          <p:cNvPr id="315" name="data(ToothGrowth)"/>
-          <p:cNvSpPr txBox="1"/>
-          <p:nvPr/>
-        </p:nvSpPr>
-        <p:spPr>
-          <a:xfrm>
-            <a:off x="780182" y="1570088"/>
-            <a:ext cx="51361" cy="328295"/>
-          </a:xfrm>
-          <a:prstGeom prst="rect">
-            <a:avLst/>
-          </a:prstGeom>
-          <a:ln w="12700">
-            <a:miter lim="400000"/>
-          </a:ln>
-          <a:extLst>
-            <a:ext uri="{C572A759-6A51-4108-AA02-DFA0A04FC94B}">
-              <ma14:wrappingTextBoxFlag xmlns:ma14="http://schemas.microsoft.com/office/mac/drawingml/2011/main" xmlns:a14="http://schemas.microsoft.com/office/drawing/2010/main" xmlns:m="http://schemas.openxmlformats.org/officeDocument/2006/math" xmlns="" val="1"/>
-            </a:ext>
-          </a:extLst>
-        </p:spPr>
-        <p:txBody>
-          <a:bodyPr wrap="none" lIns="25400" tIns="25400" rIns="25400" bIns="25400" anchor="ctr">
-            <a:spAutoFit/>
-          </a:bodyPr>
-          <a:lstStyle>
-            <a:lvl1pPr>
-              <a:defRPr sz="3600"/>
-            </a:lvl1pPr>
-          </a:lstStyle>
-          <a:p>
-            <a:endParaRPr sz="1800" dirty="0"/>
-          </a:p>
-        </p:txBody>
-      </p:sp>
-      <p:sp>
-        <p:nvSpPr>
-          <p:cNvPr id="316" name="How many observations for each treatment?…"/>
-          <p:cNvSpPr txBox="1"/>
-          <p:nvPr/>
-        </p:nvSpPr>
-        <p:spPr>
-          <a:xfrm>
-            <a:off x="3585310" y="3236384"/>
-            <a:ext cx="166712" cy="282129"/>
-          </a:xfrm>
-          <a:prstGeom prst="rect">
-            <a:avLst/>
-          </a:prstGeom>
-          <a:ln w="12700">
-            <a:miter lim="400000"/>
-          </a:ln>
-          <a:extLst>
-            <a:ext uri="{C572A759-6A51-4108-AA02-DFA0A04FC94B}">
-              <ma14:wrappingTextBoxFlag xmlns:ma14="http://schemas.microsoft.com/office/mac/drawingml/2011/main" xmlns:a14="http://schemas.microsoft.com/office/drawing/2010/main" xmlns:m="http://schemas.openxmlformats.org/officeDocument/2006/math" xmlns="" val="1"/>
-            </a:ext>
-          </a:extLst>
-        </p:spPr>
-        <p:txBody>
-          <a:bodyPr wrap="none" lIns="25400" tIns="25400" rIns="25400" bIns="25400" anchor="ctr">
-            <a:spAutoFit/>
-          </a:bodyPr>
-          <a:lstStyle/>
-          <a:p>
-            <a:pPr marL="114300" indent="-114300">
-              <a:buSzPct val="100000"/>
-              <a:buChar char="•"/>
-              <a:defRPr sz="3000"/>
-            </a:pPr>
-            <a:endParaRPr sz="1500" dirty="0"/>
-          </a:p>
-        </p:txBody>
-      </p:sp>
-      <p:sp>
-        <p:nvSpPr>
-          <p:cNvPr id="3" name="TextBox 2">
-            <a:extLst>
-              <a:ext uri="{FF2B5EF4-FFF2-40B4-BE49-F238E27FC236}">
-                <a16:creationId xmlns:a16="http://schemas.microsoft.com/office/drawing/2014/main" id="{B480CC13-B99C-66C6-65F4-DA3A79B21A2F}"/>
-              </a:ext>
-            </a:extLst>
-          </p:cNvPr>
-          <p:cNvSpPr txBox="1"/>
-          <p:nvPr/>
-        </p:nvSpPr>
-        <p:spPr>
-          <a:xfrm>
-            <a:off x="5308485" y="202740"/>
-            <a:ext cx="1683986" cy="369332"/>
+            <a:off x="5550946" y="333487"/>
+            <a:ext cx="6433073" cy="369332"/>
           </a:xfrm>
           <a:prstGeom prst="rect">
             <a:avLst/>
@@ -11152,17 +11145,17 @@
           <a:p>
             <a:r>
               <a:rPr lang="en-US" dirty="0"/>
-              <a:t>Practice</a:t>
-            </a:r>
-          </a:p>
-        </p:txBody>
-      </p:sp>
-      <p:sp>
-        <p:nvSpPr>
-          <p:cNvPr id="4" name="TextBox 3">
-            <a:extLst>
-              <a:ext uri="{FF2B5EF4-FFF2-40B4-BE49-F238E27FC236}">
-                <a16:creationId xmlns:a16="http://schemas.microsoft.com/office/drawing/2014/main" id="{A34BE7A2-2D6C-416A-1712-C07891D49FB4}"/>
+              <a:t>Today’s Goals</a:t>
+            </a:r>
+          </a:p>
+        </p:txBody>
+      </p:sp>
+      <p:sp>
+        <p:nvSpPr>
+          <p:cNvPr id="3" name="TextBox 2">
+            <a:extLst>
+              <a:ext uri="{FF2B5EF4-FFF2-40B4-BE49-F238E27FC236}">
+                <a16:creationId xmlns:a16="http://schemas.microsoft.com/office/drawing/2014/main" id="{4D2F2DB7-B785-759B-32FA-605A8FA354E1}"/>
               </a:ext>
             </a:extLst>
           </p:cNvPr>
@@ -11171,8 +11164,8 @@
         </p:nvSpPr>
         <p:spPr>
           <a:xfrm>
-            <a:off x="703384" y="1105730"/>
-            <a:ext cx="2366682" cy="646331"/>
+            <a:off x="4442908" y="2323651"/>
+            <a:ext cx="8186569" cy="1200329"/>
           </a:xfrm>
           <a:prstGeom prst="rect">
             <a:avLst/>
@@ -11185,151 +11178,43 @@
           </a:bodyPr>
           <a:lstStyle/>
           <a:p>
+            <a:pPr marL="342900" indent="-342900">
+              <a:buAutoNum type="arabicPeriod"/>
+            </a:pPr>
             <a:r>
               <a:rPr lang="en-US" dirty="0"/>
-              <a:t>flights</a:t>
-            </a:r>
-          </a:p>
-          <a:p>
+              <a:t>Tidy Data (wide vs long format of data)</a:t>
+            </a:r>
+          </a:p>
+          <a:p>
+            <a:pPr marL="342900" indent="-342900">
+              <a:buAutoNum type="arabicPeriod"/>
+            </a:pPr>
             <a:r>
               <a:rPr lang="en-US" dirty="0"/>
-              <a:t>weather</a:t>
-            </a:r>
-          </a:p>
-        </p:txBody>
-      </p:sp>
-      <p:pic>
-        <p:nvPicPr>
-          <p:cNvPr id="5" name="Picture 4">
-            <a:extLst>
-              <a:ext uri="{FF2B5EF4-FFF2-40B4-BE49-F238E27FC236}">
-                <a16:creationId xmlns:a16="http://schemas.microsoft.com/office/drawing/2014/main" id="{434F984D-EC51-95A9-D2F1-6F72E403D109}"/>
-              </a:ext>
-            </a:extLst>
-          </p:cNvPr>
-          <p:cNvPicPr>
-            <a:picLocks noChangeAspect="1"/>
-          </p:cNvPicPr>
-          <p:nvPr/>
-        </p:nvPicPr>
-        <p:blipFill>
-          <a:blip r:embed="rId2"/>
-          <a:stretch>
-            <a:fillRect/>
-          </a:stretch>
-        </p:blipFill>
-        <p:spPr>
-          <a:xfrm>
-            <a:off x="3438655" y="1144586"/>
-            <a:ext cx="7772400" cy="1585305"/>
-          </a:xfrm>
-          <a:prstGeom prst="rect">
-            <a:avLst/>
-          </a:prstGeom>
-        </p:spPr>
-      </p:pic>
-      <p:pic>
-        <p:nvPicPr>
-          <p:cNvPr id="6" name="Picture 5">
-            <a:extLst>
-              <a:ext uri="{FF2B5EF4-FFF2-40B4-BE49-F238E27FC236}">
-                <a16:creationId xmlns:a16="http://schemas.microsoft.com/office/drawing/2014/main" id="{A8D5D959-2E35-7386-C195-325470631E31}"/>
-              </a:ext>
-            </a:extLst>
-          </p:cNvPr>
-          <p:cNvPicPr>
-            <a:picLocks noChangeAspect="1"/>
-          </p:cNvPicPr>
-          <p:nvPr/>
-        </p:nvPicPr>
-        <p:blipFill>
-          <a:blip r:embed="rId3"/>
-          <a:stretch>
-            <a:fillRect/>
-          </a:stretch>
-        </p:blipFill>
-        <p:spPr>
-          <a:xfrm>
-            <a:off x="3438655" y="2839740"/>
-            <a:ext cx="7772400" cy="1854687"/>
-          </a:xfrm>
-          <a:prstGeom prst="rect">
-            <a:avLst/>
-          </a:prstGeom>
-        </p:spPr>
-      </p:pic>
-      <p:sp>
-        <p:nvSpPr>
-          <p:cNvPr id="7" name="TextBox 6">
-            <a:extLst>
-              <a:ext uri="{FF2B5EF4-FFF2-40B4-BE49-F238E27FC236}">
-                <a16:creationId xmlns:a16="http://schemas.microsoft.com/office/drawing/2014/main" id="{1EEBD7FF-A83D-B147-E7F3-1E9F8B336E5A}"/>
-              </a:ext>
-            </a:extLst>
-          </p:cNvPr>
-          <p:cNvSpPr txBox="1"/>
-          <p:nvPr/>
-        </p:nvSpPr>
-        <p:spPr>
-          <a:xfrm>
-            <a:off x="748896" y="1779687"/>
-            <a:ext cx="2321170" cy="5078313"/>
-          </a:xfrm>
-          <a:prstGeom prst="rect">
-            <a:avLst/>
-          </a:prstGeom>
-          <a:noFill/>
-        </p:spPr>
-        <p:txBody>
-          <a:bodyPr wrap="square" rtlCol="0">
-            <a:spAutoFit/>
-          </a:bodyPr>
-          <a:lstStyle/>
-          <a:p>
+              <a:t>Plotting</a:t>
+            </a:r>
+          </a:p>
+          <a:p>
+            <a:pPr marL="342900" indent="-342900">
+              <a:buAutoNum type="arabicPeriod"/>
+            </a:pPr>
             <a:r>
               <a:rPr lang="en-US" dirty="0"/>
-              <a:t>How many flights originated at each airport</a:t>
+              <a:t>Merging and joining (relational data)</a:t>
             </a:r>
           </a:p>
           <a:p>
             <a:endParaRPr lang="en-US" dirty="0"/>
           </a:p>
-          <a:p>
-            <a:r>
-              <a:rPr lang="en-US" dirty="0"/>
-              <a:t>How long was the average flight that left EWR (Newark)</a:t>
-            </a:r>
-          </a:p>
-          <a:p>
-            <a:endParaRPr lang="en-US" dirty="0"/>
-          </a:p>
-          <a:p>
-            <a:r>
-              <a:rPr lang="en-US" dirty="0"/>
-              <a:t>What airport had the longest average arrival delay </a:t>
-            </a:r>
-          </a:p>
-          <a:p>
-            <a:endParaRPr lang="en-US" dirty="0"/>
-          </a:p>
-          <a:p>
-            <a:r>
-              <a:rPr lang="en-US" dirty="0"/>
-              <a:t>Which carrier had the most departure delays (&gt; 0)</a:t>
-            </a:r>
-          </a:p>
-          <a:p>
-            <a:endParaRPr lang="en-US" dirty="0"/>
-          </a:p>
-          <a:p>
-            <a:r>
-              <a:rPr lang="en-US" dirty="0"/>
-              <a:t>How many flights per month</a:t>
-            </a:r>
-          </a:p>
         </p:txBody>
       </p:sp>
     </p:spTree>
+    <p:extLst>
+      <p:ext uri="{BB962C8B-B14F-4D97-AF65-F5344CB8AC3E}">
+        <p14:creationId xmlns:p14="http://schemas.microsoft.com/office/powerpoint/2010/main" val="3914751174"/>
+      </p:ext>
+    </p:extLst>
   </p:cSld>
   <p:clrMapOvr>
     <a:masterClrMapping/>
@@ -11356,104 +11241,274 @@
       </p:grpSpPr>
       <p:sp>
         <p:nvSpPr>
-          <p:cNvPr id="2" name="TextBox 1">
-            <a:extLst>
-              <a:ext uri="{FF2B5EF4-FFF2-40B4-BE49-F238E27FC236}">
-                <a16:creationId xmlns:a16="http://schemas.microsoft.com/office/drawing/2014/main" id="{BF7D0C15-9868-0394-584D-B1F548C00E08}"/>
-              </a:ext>
-            </a:extLst>
-          </p:cNvPr>
+          <p:cNvPr id="318" name="Tidy Data"/>
           <p:cNvSpPr txBox="1"/>
           <p:nvPr/>
         </p:nvSpPr>
         <p:spPr>
           <a:xfrm>
-            <a:off x="5550946" y="333487"/>
-            <a:ext cx="6433073" cy="369332"/>
-          </a:xfrm>
-          <a:prstGeom prst="rect">
-            <a:avLst/>
-          </a:prstGeom>
-          <a:noFill/>
-        </p:spPr>
-        <p:txBody>
-          <a:bodyPr wrap="square" rtlCol="0">
+            <a:off x="5409819" y="177130"/>
+            <a:ext cx="1382879" cy="420628"/>
+          </a:xfrm>
+          <a:prstGeom prst="rect">
+            <a:avLst/>
+          </a:prstGeom>
+          <a:ln w="12700">
+            <a:miter lim="400000"/>
+          </a:ln>
+          <a:extLst>
+            <a:ext uri="{C572A759-6A51-4108-AA02-DFA0A04FC94B}">
+              <ma14:wrappingTextBoxFlag xmlns:ma14="http://schemas.microsoft.com/office/mac/drawingml/2011/main" xmlns:a14="http://schemas.microsoft.com/office/drawing/2010/main" xmlns:m="http://schemas.openxmlformats.org/officeDocument/2006/math" xmlns="" val="1"/>
+            </a:ext>
+          </a:extLst>
+        </p:spPr>
+        <p:txBody>
+          <a:bodyPr wrap="none" lIns="25400" tIns="25400" rIns="25400" bIns="25400" anchor="ctr">
+            <a:spAutoFit/>
+          </a:bodyPr>
+          <a:lstStyle>
+            <a:lvl1pPr>
+              <a:defRPr sz="4800">
+                <a:latin typeface="Avenir Next Regular"/>
+                <a:ea typeface="Avenir Next Regular"/>
+                <a:cs typeface="Avenir Next Regular"/>
+                <a:sym typeface="Avenir Next Regular"/>
+              </a:defRPr>
+            </a:lvl1pPr>
+          </a:lstStyle>
+          <a:p>
+            <a:r>
+              <a:rPr sz="2400"/>
+              <a:t>Tidy Data</a:t>
+            </a:r>
+          </a:p>
+        </p:txBody>
+      </p:sp>
+      <p:pic>
+        <p:nvPicPr>
+          <p:cNvPr id="319" name="Image" descr="Image"/>
+          <p:cNvPicPr>
+            <a:picLocks noChangeAspect="1"/>
+          </p:cNvPicPr>
+          <p:nvPr/>
+        </p:nvPicPr>
+        <p:blipFill>
+          <a:blip r:embed="rId2"/>
+          <a:stretch>
+            <a:fillRect/>
+          </a:stretch>
+        </p:blipFill>
+        <p:spPr>
+          <a:xfrm>
+            <a:off x="489345" y="1079287"/>
+            <a:ext cx="5125620" cy="1521018"/>
+          </a:xfrm>
+          <a:prstGeom prst="rect">
+            <a:avLst/>
+          </a:prstGeom>
+          <a:ln w="12700">
+            <a:miter lim="400000"/>
+          </a:ln>
+        </p:spPr>
+      </p:pic>
+      <p:pic>
+        <p:nvPicPr>
+          <p:cNvPr id="320" name="Image" descr="Image"/>
+          <p:cNvPicPr>
+            <a:picLocks noChangeAspect="1"/>
+          </p:cNvPicPr>
+          <p:nvPr/>
+        </p:nvPicPr>
+        <p:blipFill>
+          <a:blip r:embed="rId3"/>
+          <a:stretch>
+            <a:fillRect/>
+          </a:stretch>
+        </p:blipFill>
+        <p:spPr>
+          <a:xfrm>
+            <a:off x="237077" y="2297728"/>
+            <a:ext cx="6491694" cy="2540985"/>
+          </a:xfrm>
+          <a:prstGeom prst="rect">
+            <a:avLst/>
+          </a:prstGeom>
+          <a:ln w="12700">
+            <a:miter lim="400000"/>
+          </a:ln>
+        </p:spPr>
+      </p:pic>
+      <p:sp>
+        <p:nvSpPr>
+          <p:cNvPr id="321" name="https://r4ds.had.co.nz/tidy-data.html"/>
+          <p:cNvSpPr txBox="1"/>
+          <p:nvPr/>
+        </p:nvSpPr>
+        <p:spPr>
+          <a:xfrm>
+            <a:off x="9346138" y="6221681"/>
+            <a:ext cx="1812997" cy="189796"/>
+          </a:xfrm>
+          <a:prstGeom prst="rect">
+            <a:avLst/>
+          </a:prstGeom>
+          <a:ln w="12700">
+            <a:miter lim="400000"/>
+          </a:ln>
+          <a:extLst>
+            <a:ext uri="{C572A759-6A51-4108-AA02-DFA0A04FC94B}">
+              <ma14:wrappingTextBoxFlag xmlns:ma14="http://schemas.microsoft.com/office/mac/drawingml/2011/main" xmlns:a14="http://schemas.microsoft.com/office/drawing/2010/main" xmlns:m="http://schemas.openxmlformats.org/officeDocument/2006/math" xmlns="" val="1"/>
+            </a:ext>
+          </a:extLst>
+        </p:spPr>
+        <p:txBody>
+          <a:bodyPr wrap="none" lIns="25400" tIns="25400" rIns="25400" bIns="25400" anchor="ctr">
             <a:spAutoFit/>
           </a:bodyPr>
           <a:lstStyle/>
           <a:p>
             <a:r>
-              <a:rPr lang="en-US" dirty="0"/>
-              <a:t>Today’s Goals</a:t>
-            </a:r>
-          </a:p>
-        </p:txBody>
-      </p:sp>
-      <p:sp>
-        <p:nvSpPr>
-          <p:cNvPr id="3" name="TextBox 2">
-            <a:extLst>
-              <a:ext uri="{FF2B5EF4-FFF2-40B4-BE49-F238E27FC236}">
-                <a16:creationId xmlns:a16="http://schemas.microsoft.com/office/drawing/2014/main" id="{4D2F2DB7-B785-759B-32FA-605A8FA354E1}"/>
-              </a:ext>
-            </a:extLst>
-          </p:cNvPr>
+              <a:rPr sz="900"/>
+              <a:t>https://r4ds.had.co.nz/tidy-data.html</a:t>
+            </a:r>
+          </a:p>
+        </p:txBody>
+      </p:sp>
+      <p:sp>
+        <p:nvSpPr>
+          <p:cNvPr id="322" name="Not Tidy - wide"/>
           <p:cNvSpPr txBox="1"/>
           <p:nvPr/>
         </p:nvSpPr>
         <p:spPr>
           <a:xfrm>
-            <a:off x="4442908" y="2323651"/>
-            <a:ext cx="8186569" cy="1200329"/>
-          </a:xfrm>
-          <a:prstGeom prst="rect">
-            <a:avLst/>
-          </a:prstGeom>
-          <a:noFill/>
-        </p:spPr>
-        <p:txBody>
-          <a:bodyPr wrap="square" rtlCol="0">
+            <a:off x="8432134" y="1102077"/>
+            <a:ext cx="1505220" cy="328295"/>
+          </a:xfrm>
+          <a:prstGeom prst="rect">
+            <a:avLst/>
+          </a:prstGeom>
+          <a:ln w="12700">
+            <a:miter lim="400000"/>
+          </a:ln>
+          <a:extLst>
+            <a:ext uri="{C572A759-6A51-4108-AA02-DFA0A04FC94B}">
+              <ma14:wrappingTextBoxFlag xmlns:ma14="http://schemas.microsoft.com/office/mac/drawingml/2011/main" xmlns:a14="http://schemas.microsoft.com/office/drawing/2010/main" xmlns:m="http://schemas.openxmlformats.org/officeDocument/2006/math" xmlns="" val="1"/>
+            </a:ext>
+          </a:extLst>
+        </p:spPr>
+        <p:txBody>
+          <a:bodyPr wrap="none" lIns="25400" tIns="25400" rIns="25400" bIns="25400" anchor="ctr">
             <a:spAutoFit/>
           </a:bodyPr>
-          <a:lstStyle/>
-          <a:p>
-            <a:pPr marL="342900" indent="-342900">
-              <a:buAutoNum type="arabicPeriod"/>
-            </a:pPr>
-            <a:r>
-              <a:rPr lang="en-US" dirty="0"/>
-              <a:t>Tidy Data (wide vs long format of data)</a:t>
-            </a:r>
-          </a:p>
-          <a:p>
-            <a:pPr marL="342900" indent="-342900">
-              <a:buAutoNum type="arabicPeriod"/>
-            </a:pPr>
-            <a:r>
-              <a:rPr lang="en-US" dirty="0"/>
-              <a:t>Plotting</a:t>
-            </a:r>
-          </a:p>
-          <a:p>
-            <a:pPr marL="342900" indent="-342900">
-              <a:buAutoNum type="arabicPeriod"/>
-            </a:pPr>
-            <a:r>
-              <a:rPr lang="en-US" dirty="0"/>
-              <a:t>Merging and joining (relational data)</a:t>
-            </a:r>
-          </a:p>
-          <a:p>
-            <a:endParaRPr lang="en-US" dirty="0"/>
-          </a:p>
-        </p:txBody>
-      </p:sp>
+          <a:lstStyle>
+            <a:lvl1pPr>
+              <a:defRPr sz="3600" b="1"/>
+            </a:lvl1pPr>
+          </a:lstStyle>
+          <a:p>
+            <a:r>
+              <a:rPr sz="1800"/>
+              <a:t>Not Tidy - wide</a:t>
+            </a:r>
+          </a:p>
+        </p:txBody>
+      </p:sp>
+      <p:sp>
+        <p:nvSpPr>
+          <p:cNvPr id="323" name="Tidy - long"/>
+          <p:cNvSpPr txBox="1"/>
+          <p:nvPr/>
+        </p:nvSpPr>
+        <p:spPr>
+          <a:xfrm>
+            <a:off x="9825690" y="4412340"/>
+            <a:ext cx="1041952" cy="328295"/>
+          </a:xfrm>
+          <a:prstGeom prst="rect">
+            <a:avLst/>
+          </a:prstGeom>
+          <a:ln w="12700">
+            <a:miter lim="400000"/>
+          </a:ln>
+          <a:extLst>
+            <a:ext uri="{C572A759-6A51-4108-AA02-DFA0A04FC94B}">
+              <ma14:wrappingTextBoxFlag xmlns:ma14="http://schemas.microsoft.com/office/mac/drawingml/2011/main" xmlns:a14="http://schemas.microsoft.com/office/drawing/2010/main" xmlns:m="http://schemas.openxmlformats.org/officeDocument/2006/math" xmlns="" val="1"/>
+            </a:ext>
+          </a:extLst>
+        </p:spPr>
+        <p:txBody>
+          <a:bodyPr wrap="none" lIns="25400" tIns="25400" rIns="25400" bIns="25400" anchor="ctr">
+            <a:spAutoFit/>
+          </a:bodyPr>
+          <a:lstStyle>
+            <a:lvl1pPr>
+              <a:defRPr sz="3600" b="1"/>
+            </a:lvl1pPr>
+          </a:lstStyle>
+          <a:p>
+            <a:r>
+              <a:rPr sz="1800"/>
+              <a:t>Tidy - long</a:t>
+            </a:r>
+          </a:p>
+        </p:txBody>
+      </p:sp>
+      <p:pic>
+        <p:nvPicPr>
+          <p:cNvPr id="324" name="Image" descr="Image"/>
+          <p:cNvPicPr>
+            <a:picLocks noChangeAspect="1"/>
+          </p:cNvPicPr>
+          <p:nvPr/>
+        </p:nvPicPr>
+        <p:blipFill>
+          <a:blip r:embed="rId4"/>
+          <a:stretch>
+            <a:fillRect/>
+          </a:stretch>
+        </p:blipFill>
+        <p:spPr>
+          <a:xfrm>
+            <a:off x="7617571" y="1455154"/>
+            <a:ext cx="3452745" cy="1496583"/>
+          </a:xfrm>
+          <a:prstGeom prst="rect">
+            <a:avLst/>
+          </a:prstGeom>
+          <a:ln w="12700">
+            <a:miter lim="400000"/>
+          </a:ln>
+        </p:spPr>
+      </p:pic>
+      <p:pic>
+        <p:nvPicPr>
+          <p:cNvPr id="325" name="Image" descr="Image"/>
+          <p:cNvPicPr>
+            <a:picLocks noChangeAspect="1"/>
+          </p:cNvPicPr>
+          <p:nvPr/>
+        </p:nvPicPr>
+        <p:blipFill>
+          <a:blip r:embed="rId5"/>
+          <a:stretch>
+            <a:fillRect/>
+          </a:stretch>
+        </p:blipFill>
+        <p:spPr>
+          <a:xfrm>
+            <a:off x="7562460" y="3109826"/>
+            <a:ext cx="2068241" cy="2933323"/>
+          </a:xfrm>
+          <a:prstGeom prst="rect">
+            <a:avLst/>
+          </a:prstGeom>
+          <a:ln w="12700">
+            <a:miter lim="400000"/>
+          </a:ln>
+        </p:spPr>
+      </p:pic>
     </p:spTree>
-    <p:extLst>
-      <p:ext uri="{BB962C8B-B14F-4D97-AF65-F5344CB8AC3E}">
-        <p14:creationId xmlns:p14="http://schemas.microsoft.com/office/powerpoint/2010/main" val="3914751174"/>
-      </p:ext>
-    </p:extLst>
   </p:cSld>
   <p:clrMapOvr>
     <a:masterClrMapping/>
@@ -11480,14 +11535,14 @@
       </p:grpSpPr>
       <p:sp>
         <p:nvSpPr>
-          <p:cNvPr id="318" name="Tidy Data"/>
+          <p:cNvPr id="327" name="Why should data be Tidy"/>
           <p:cNvSpPr txBox="1"/>
           <p:nvPr/>
         </p:nvSpPr>
         <p:spPr>
           <a:xfrm>
-            <a:off x="5409819" y="177130"/>
-            <a:ext cx="1382879" cy="420628"/>
+            <a:off x="4162500" y="895012"/>
+            <a:ext cx="3200941" cy="420628"/>
           </a:xfrm>
           <a:prstGeom prst="rect">
             <a:avLst/>
@@ -11506,87 +11561,28 @@
             <a:spAutoFit/>
           </a:bodyPr>
           <a:lstStyle>
-            <a:lvl1pPr>
-              <a:defRPr sz="4800">
-                <a:latin typeface="Avenir Next Regular"/>
-                <a:ea typeface="Avenir Next Regular"/>
-                <a:cs typeface="Avenir Next Regular"/>
-                <a:sym typeface="Avenir Next Regular"/>
-              </a:defRPr>
+            <a:lvl1pPr algn="l">
+              <a:defRPr sz="4800" b="1"/>
             </a:lvl1pPr>
           </a:lstStyle>
           <a:p>
             <a:r>
-              <a:rPr sz="2400"/>
-              <a:t>Tidy Data</a:t>
-            </a:r>
-          </a:p>
-        </p:txBody>
-      </p:sp>
-      <p:pic>
-        <p:nvPicPr>
-          <p:cNvPr id="319" name="Image" descr="Image"/>
-          <p:cNvPicPr>
-            <a:picLocks noChangeAspect="1"/>
-          </p:cNvPicPr>
-          <p:nvPr/>
-        </p:nvPicPr>
-        <p:blipFill>
-          <a:blip r:embed="rId2"/>
-          <a:stretch>
-            <a:fillRect/>
-          </a:stretch>
-        </p:blipFill>
-        <p:spPr>
-          <a:xfrm>
-            <a:off x="489345" y="1079287"/>
-            <a:ext cx="5125620" cy="1521018"/>
-          </a:xfrm>
-          <a:prstGeom prst="rect">
-            <a:avLst/>
-          </a:prstGeom>
-          <a:ln w="12700">
-            <a:miter lim="400000"/>
-          </a:ln>
-        </p:spPr>
-      </p:pic>
-      <p:pic>
-        <p:nvPicPr>
-          <p:cNvPr id="320" name="Image" descr="Image"/>
-          <p:cNvPicPr>
-            <a:picLocks noChangeAspect="1"/>
-          </p:cNvPicPr>
-          <p:nvPr/>
-        </p:nvPicPr>
-        <p:blipFill>
-          <a:blip r:embed="rId3"/>
-          <a:stretch>
-            <a:fillRect/>
-          </a:stretch>
-        </p:blipFill>
-        <p:spPr>
-          <a:xfrm>
-            <a:off x="237077" y="2297728"/>
-            <a:ext cx="6491694" cy="2540985"/>
-          </a:xfrm>
-          <a:prstGeom prst="rect">
-            <a:avLst/>
-          </a:prstGeom>
-          <a:ln w="12700">
-            <a:miter lim="400000"/>
-          </a:ln>
-        </p:spPr>
-      </p:pic>
-      <p:sp>
-        <p:nvSpPr>
-          <p:cNvPr id="321" name="https://r4ds.had.co.nz/tidy-data.html"/>
+              <a:rPr sz="2400" dirty="0"/>
+              <a:t>Why should data be Tidy</a:t>
+            </a:r>
+          </a:p>
+        </p:txBody>
+      </p:sp>
+      <p:sp>
+        <p:nvSpPr>
+          <p:cNvPr id="328" name="Consistency - easier if you always know how the data should be represented…"/>
           <p:cNvSpPr txBox="1"/>
           <p:nvPr/>
         </p:nvSpPr>
         <p:spPr>
           <a:xfrm>
-            <a:off x="9346138" y="6221681"/>
-            <a:ext cx="1812997" cy="189796"/>
+            <a:off x="742760" y="2007347"/>
+            <a:ext cx="10419968" cy="1287532"/>
           </a:xfrm>
           <a:prstGeom prst="rect">
             <a:avLst/>
@@ -11606,23 +11602,75 @@
           </a:bodyPr>
           <a:lstStyle/>
           <a:p>
-            <a:r>
-              <a:rPr sz="900"/>
-              <a:t>https://r4ds.had.co.nz/tidy-data.html</a:t>
-            </a:r>
-          </a:p>
-        </p:txBody>
-      </p:sp>
-      <p:sp>
-        <p:nvSpPr>
-          <p:cNvPr id="322" name="Not Tidy - wide"/>
+            <a:pPr marL="152400" indent="-152400">
+              <a:spcBef>
+                <a:spcPts val="500"/>
+              </a:spcBef>
+              <a:buSzPct val="123000"/>
+              <a:buChar char="•"/>
+              <a:defRPr sz="3600"/>
+            </a:pPr>
+            <a:r>
+              <a:rPr sz="2400" dirty="0"/>
+              <a:t>Consistency - easier if you always know how the data should be represented</a:t>
+            </a:r>
+          </a:p>
+          <a:p>
+            <a:pPr marL="152400" indent="-152400">
+              <a:spcBef>
+                <a:spcPts val="500"/>
+              </a:spcBef>
+              <a:buSzPct val="123000"/>
+              <a:buChar char="•"/>
+              <a:defRPr sz="3600"/>
+            </a:pPr>
+            <a:r>
+              <a:rPr sz="2400" dirty="0"/>
+              <a:t>Ease - Works seamlessly with tools in the </a:t>
+            </a:r>
+            <a:r>
+              <a:rPr sz="2400" dirty="0" err="1"/>
+              <a:t>tidyverse</a:t>
+            </a:r>
+            <a:r>
+              <a:rPr sz="2400" dirty="0"/>
+              <a:t> (like </a:t>
+            </a:r>
+            <a:r>
+              <a:rPr sz="2400" dirty="0" err="1"/>
+              <a:t>ggplot</a:t>
+            </a:r>
+            <a:r>
+              <a:rPr sz="2400" dirty="0"/>
+              <a:t>)</a:t>
+            </a:r>
+          </a:p>
+          <a:p>
+            <a:pPr marL="152400" indent="-152400">
+              <a:spcBef>
+                <a:spcPts val="500"/>
+              </a:spcBef>
+              <a:buSzPct val="123000"/>
+              <a:buChar char="•"/>
+              <a:defRPr sz="3600"/>
+            </a:pPr>
+            <a:r>
+              <a:rPr sz="2400" dirty="0"/>
+              <a:t>Speed - Having variables in columns lets R work more quickly (using vectorization)</a:t>
+            </a:r>
+          </a:p>
+        </p:txBody>
+      </p:sp>
+      <p:sp>
+        <p:nvSpPr>
+          <p:cNvPr id="329" name="Not all data need to be in this format"/>
           <p:cNvSpPr txBox="1"/>
           <p:nvPr/>
         </p:nvSpPr>
         <p:spPr>
           <a:xfrm>
-            <a:off x="8432134" y="1102077"/>
-            <a:ext cx="1505220" cy="328295"/>
+            <a:off x="3366515" y="3442304"/>
+            <a:ext cx="4768485" cy="420628"/>
           </a:xfrm>
           <a:prstGeom prst="rect">
             <a:avLst/>
@@ -11641,28 +11689,28 @@
             <a:spAutoFit/>
           </a:bodyPr>
           <a:lstStyle>
-            <a:lvl1pPr>
-              <a:defRPr sz="3600" b="1"/>
+            <a:lvl1pPr algn="l">
+              <a:defRPr sz="4800" b="1"/>
             </a:lvl1pPr>
           </a:lstStyle>
           <a:p>
             <a:r>
-              <a:rPr sz="1800"/>
-              <a:t>Not Tidy - wide</a:t>
-            </a:r>
-          </a:p>
-        </p:txBody>
-      </p:sp>
-      <p:sp>
-        <p:nvSpPr>
-          <p:cNvPr id="323" name="Tidy - long"/>
+              <a:rPr sz="2400"/>
+              <a:t>Not all data need to be in this format</a:t>
+            </a:r>
+          </a:p>
+        </p:txBody>
+      </p:sp>
+      <p:sp>
+        <p:nvSpPr>
+          <p:cNvPr id="331" name="From JT Leek https://simplystatistics.org/2016/02/17/non-tidy-data/"/>
           <p:cNvSpPr txBox="1"/>
           <p:nvPr/>
         </p:nvSpPr>
         <p:spPr>
           <a:xfrm>
-            <a:off x="9825690" y="4412340"/>
-            <a:ext cx="1041952" cy="328295"/>
+            <a:off x="7300568" y="6163346"/>
+            <a:ext cx="3273332" cy="189796"/>
           </a:xfrm>
           <a:prstGeom prst="rect">
             <a:avLst/>
@@ -11680,73 +11728,15 @@
           <a:bodyPr wrap="none" lIns="25400" tIns="25400" rIns="25400" bIns="25400" anchor="ctr">
             <a:spAutoFit/>
           </a:bodyPr>
-          <a:lstStyle>
-            <a:lvl1pPr>
-              <a:defRPr sz="3600" b="1"/>
-            </a:lvl1pPr>
-          </a:lstStyle>
-          <a:p>
-            <a:r>
-              <a:rPr sz="1800"/>
-              <a:t>Tidy - long</a:t>
-            </a:r>
-          </a:p>
-        </p:txBody>
-      </p:sp>
-      <p:pic>
-        <p:nvPicPr>
-          <p:cNvPr id="324" name="Image" descr="Image"/>
-          <p:cNvPicPr>
-            <a:picLocks noChangeAspect="1"/>
-          </p:cNvPicPr>
-          <p:nvPr/>
-        </p:nvPicPr>
-        <p:blipFill>
-          <a:blip r:embed="rId4"/>
-          <a:stretch>
-            <a:fillRect/>
-          </a:stretch>
-        </p:blipFill>
-        <p:spPr>
-          <a:xfrm>
-            <a:off x="7617571" y="1455154"/>
-            <a:ext cx="3452745" cy="1496583"/>
-          </a:xfrm>
-          <a:prstGeom prst="rect">
-            <a:avLst/>
-          </a:prstGeom>
-          <a:ln w="12700">
-            <a:miter lim="400000"/>
-          </a:ln>
-        </p:spPr>
-      </p:pic>
-      <p:pic>
-        <p:nvPicPr>
-          <p:cNvPr id="325" name="Image" descr="Image"/>
-          <p:cNvPicPr>
-            <a:picLocks noChangeAspect="1"/>
-          </p:cNvPicPr>
-          <p:nvPr/>
-        </p:nvPicPr>
-        <p:blipFill>
-          <a:blip r:embed="rId5"/>
-          <a:stretch>
-            <a:fillRect/>
-          </a:stretch>
-        </p:blipFill>
-        <p:spPr>
-          <a:xfrm>
-            <a:off x="7562460" y="3109826"/>
-            <a:ext cx="2068241" cy="2933323"/>
-          </a:xfrm>
-          <a:prstGeom prst="rect">
-            <a:avLst/>
-          </a:prstGeom>
-          <a:ln w="12700">
-            <a:miter lim="400000"/>
-          </a:ln>
-        </p:spPr>
-      </p:pic>
+          <a:lstStyle/>
+          <a:p>
+            <a:r>
+              <a:rPr sz="900"/>
+              <a:t>From JT Leek https://simplystatistics.org/2016/02/17/non-tidy-data/</a:t>
+            </a:r>
+          </a:p>
+        </p:txBody>
+      </p:sp>
     </p:spTree>
   </p:cSld>
   <p:clrMapOvr>
@@ -11774,209 +11764,123 @@
       </p:grpSpPr>
       <p:sp>
         <p:nvSpPr>
-          <p:cNvPr id="327" name="Why should data be Tidy"/>
+          <p:cNvPr id="3" name="TextBox 2">
+            <a:extLst>
+              <a:ext uri="{FF2B5EF4-FFF2-40B4-BE49-F238E27FC236}">
+                <a16:creationId xmlns:a16="http://schemas.microsoft.com/office/drawing/2014/main" id="{81C7A794-25EC-952E-3459-951B43C9BD05}"/>
+              </a:ext>
+            </a:extLst>
+          </p:cNvPr>
           <p:cNvSpPr txBox="1"/>
           <p:nvPr/>
         </p:nvSpPr>
         <p:spPr>
           <a:xfrm>
-            <a:off x="4162500" y="895012"/>
-            <a:ext cx="3200941" cy="420628"/>
-          </a:xfrm>
-          <a:prstGeom prst="rect">
-            <a:avLst/>
-          </a:prstGeom>
-          <a:ln w="12700">
-            <a:miter lim="400000"/>
-          </a:ln>
-          <a:extLst>
-            <a:ext uri="{C572A759-6A51-4108-AA02-DFA0A04FC94B}">
-              <ma14:wrappingTextBoxFlag xmlns:ma14="http://schemas.microsoft.com/office/mac/drawingml/2011/main" xmlns:a14="http://schemas.microsoft.com/office/drawing/2010/main" xmlns:m="http://schemas.openxmlformats.org/officeDocument/2006/math" xmlns="" val="1"/>
-            </a:ext>
-          </a:extLst>
-        </p:spPr>
-        <p:txBody>
-          <a:bodyPr wrap="none" lIns="25400" tIns="25400" rIns="25400" bIns="25400" anchor="ctr">
-            <a:spAutoFit/>
-          </a:bodyPr>
-          <a:lstStyle>
-            <a:lvl1pPr algn="l">
-              <a:defRPr sz="4800" b="1"/>
-            </a:lvl1pPr>
-          </a:lstStyle>
-          <a:p>
-            <a:r>
-              <a:rPr sz="2400" dirty="0"/>
-              <a:t>Why should data be Tidy</a:t>
-            </a:r>
-          </a:p>
-        </p:txBody>
-      </p:sp>
-      <p:sp>
-        <p:nvSpPr>
-          <p:cNvPr id="328" name="Consistency - easier if you always know how the data should be represented…"/>
-          <p:cNvSpPr txBox="1"/>
-          <p:nvPr/>
-        </p:nvSpPr>
-        <p:spPr>
-          <a:xfrm>
-            <a:off x="742760" y="2007347"/>
-            <a:ext cx="10419968" cy="1287532"/>
-          </a:xfrm>
-          <a:prstGeom prst="rect">
-            <a:avLst/>
-          </a:prstGeom>
-          <a:ln w="12700">
-            <a:miter lim="400000"/>
-          </a:ln>
-          <a:extLst>
-            <a:ext uri="{C572A759-6A51-4108-AA02-DFA0A04FC94B}">
-              <ma14:wrappingTextBoxFlag xmlns:ma14="http://schemas.microsoft.com/office/mac/drawingml/2011/main" xmlns:a14="http://schemas.microsoft.com/office/drawing/2010/main" xmlns:m="http://schemas.openxmlformats.org/officeDocument/2006/math" xmlns="" val="1"/>
-            </a:ext>
-          </a:extLst>
-        </p:spPr>
-        <p:txBody>
-          <a:bodyPr wrap="none" lIns="25400" tIns="25400" rIns="25400" bIns="25400" anchor="ctr">
+            <a:off x="1746569" y="2362937"/>
+            <a:ext cx="8949937" cy="2308324"/>
+          </a:xfrm>
+          <a:prstGeom prst="rect">
+            <a:avLst/>
+          </a:prstGeom>
+          <a:noFill/>
+        </p:spPr>
+        <p:txBody>
+          <a:bodyPr wrap="square">
             <a:spAutoFit/>
           </a:bodyPr>
           <a:lstStyle/>
           <a:p>
             <a:pPr marL="152400" indent="-152400">
-              <a:spcBef>
-                <a:spcPts val="500"/>
-              </a:spcBef>
               <a:buSzPct val="123000"/>
               <a:buChar char="•"/>
               <a:defRPr sz="3600"/>
             </a:pPr>
             <a:r>
-              <a:rPr sz="2400" dirty="0"/>
-              <a:t>Consistency - easier if you always know how the data should be represented</a:t>
+              <a:rPr lang="en-US" sz="2400" dirty="0"/>
+              <a:t>Speed  - Some specialized data formats can be faster for specific problems/computations (gene expression matrices are an example of this) </a:t>
             </a:r>
           </a:p>
           <a:p>
             <a:pPr marL="152400" indent="-152400">
-              <a:spcBef>
-                <a:spcPts val="500"/>
-              </a:spcBef>
               <a:buSzPct val="123000"/>
               <a:buChar char="•"/>
               <a:defRPr sz="3600"/>
             </a:pPr>
             <a:r>
-              <a:rPr sz="2400" dirty="0"/>
-              <a:t>Ease - Works seamlessly with tools in the </a:t>
-            </a:r>
-            <a:r>
-              <a:rPr sz="2400" dirty="0" err="1"/>
-              <a:t>tidyverse</a:t>
-            </a:r>
-            <a:r>
-              <a:rPr sz="2400" dirty="0"/>
-              <a:t> (like </a:t>
-            </a:r>
-            <a:r>
-              <a:rPr sz="2400" dirty="0" err="1"/>
-              <a:t>ggplot</a:t>
-            </a:r>
-            <a:r>
-              <a:rPr sz="2400" dirty="0"/>
-              <a:t>)</a:t>
+              <a:rPr lang="en-US" sz="2400" dirty="0"/>
+              <a:t>Field norms - some fields are used to storing data in a </a:t>
+            </a:r>
+            <a:r>
+              <a:rPr lang="en-US" sz="2400" dirty="0" err="1"/>
+              <a:t>specfic</a:t>
+            </a:r>
+            <a:r>
+              <a:rPr lang="en-US" sz="2400" dirty="0"/>
+              <a:t> way (</a:t>
+            </a:r>
+            <a:r>
+              <a:rPr lang="en-US" sz="2400" dirty="0" err="1"/>
+              <a:t>summarizedExperiment</a:t>
+            </a:r>
+            <a:r>
+              <a:rPr lang="en-US" sz="2400" dirty="0"/>
+              <a:t> in R )</a:t>
             </a:r>
           </a:p>
           <a:p>
             <a:pPr marL="152400" indent="-152400">
-              <a:spcBef>
-                <a:spcPts val="500"/>
-              </a:spcBef>
               <a:buSzPct val="123000"/>
               <a:buChar char="•"/>
               <a:defRPr sz="3600"/>
             </a:pPr>
             <a:r>
-              <a:rPr sz="2400" dirty="0"/>
-              <a:t>Speed - Having variables in columns lets R work more quickly (using vectorization)</a:t>
-            </a:r>
-          </a:p>
-        </p:txBody>
-      </p:sp>
-      <p:sp>
-        <p:nvSpPr>
-          <p:cNvPr id="329" name="Not all data need to be in this format"/>
+              <a:rPr lang="en-US" sz="2400" dirty="0"/>
+              <a:t>Some tools work more easily on matrices - Heatmaps </a:t>
+            </a:r>
+          </a:p>
+        </p:txBody>
+      </p:sp>
+      <p:sp>
+        <p:nvSpPr>
+          <p:cNvPr id="4" name="TextBox 3">
+            <a:extLst>
+              <a:ext uri="{FF2B5EF4-FFF2-40B4-BE49-F238E27FC236}">
+                <a16:creationId xmlns:a16="http://schemas.microsoft.com/office/drawing/2014/main" id="{04116BB3-6CD9-6461-C172-252D8F54FFC2}"/>
+              </a:ext>
+            </a:extLst>
+          </p:cNvPr>
           <p:cNvSpPr txBox="1"/>
           <p:nvPr/>
         </p:nvSpPr>
         <p:spPr>
           <a:xfrm>
-            <a:off x="3366515" y="3442304"/>
-            <a:ext cx="4768485" cy="420628"/>
-          </a:xfrm>
-          <a:prstGeom prst="rect">
-            <a:avLst/>
-          </a:prstGeom>
-          <a:ln w="12700">
-            <a:miter lim="400000"/>
-          </a:ln>
-          <a:extLst>
-            <a:ext uri="{C572A759-6A51-4108-AA02-DFA0A04FC94B}">
-              <ma14:wrappingTextBoxFlag xmlns:ma14="http://schemas.microsoft.com/office/mac/drawingml/2011/main" xmlns:a14="http://schemas.microsoft.com/office/drawing/2010/main" xmlns:m="http://schemas.openxmlformats.org/officeDocument/2006/math" xmlns="" val="1"/>
-            </a:ext>
-          </a:extLst>
-        </p:spPr>
-        <p:txBody>
-          <a:bodyPr wrap="none" lIns="25400" tIns="25400" rIns="25400" bIns="25400" anchor="ctr">
-            <a:spAutoFit/>
-          </a:bodyPr>
-          <a:lstStyle>
-            <a:lvl1pPr algn="l">
-              <a:defRPr sz="4800" b="1"/>
-            </a:lvl1pPr>
-          </a:lstStyle>
-          <a:p>
-            <a:r>
-              <a:rPr sz="2400"/>
-              <a:t>Not all data need to be in this format</a:t>
-            </a:r>
-          </a:p>
-        </p:txBody>
-      </p:sp>
-      <p:sp>
-        <p:nvSpPr>
-          <p:cNvPr id="331" name="From JT Leek https://simplystatistics.org/2016/02/17/non-tidy-data/"/>
-          <p:cNvSpPr txBox="1"/>
-          <p:nvPr/>
-        </p:nvSpPr>
-        <p:spPr>
-          <a:xfrm>
-            <a:off x="7300568" y="6163346"/>
-            <a:ext cx="3273332" cy="189796"/>
-          </a:xfrm>
-          <a:prstGeom prst="rect">
-            <a:avLst/>
-          </a:prstGeom>
-          <a:ln w="12700">
-            <a:miter lim="400000"/>
-          </a:ln>
-          <a:extLst>
-            <a:ext uri="{C572A759-6A51-4108-AA02-DFA0A04FC94B}">
-              <ma14:wrappingTextBoxFlag xmlns:ma14="http://schemas.microsoft.com/office/mac/drawingml/2011/main" xmlns:a14="http://schemas.microsoft.com/office/drawing/2010/main" xmlns:m="http://schemas.openxmlformats.org/officeDocument/2006/math" xmlns="" val="1"/>
-            </a:ext>
-          </a:extLst>
-        </p:spPr>
-        <p:txBody>
-          <a:bodyPr wrap="none" lIns="25400" tIns="25400" rIns="25400" bIns="25400" anchor="ctr">
+            <a:off x="3111591" y="467069"/>
+            <a:ext cx="6690251" cy="584775"/>
+          </a:xfrm>
+          <a:prstGeom prst="rect">
+            <a:avLst/>
+          </a:prstGeom>
+          <a:noFill/>
+        </p:spPr>
+        <p:txBody>
+          <a:bodyPr wrap="square" rtlCol="0">
             <a:spAutoFit/>
           </a:bodyPr>
           <a:lstStyle/>
           <a:p>
             <a:r>
-              <a:rPr sz="900"/>
-              <a:t>From JT Leek https://simplystatistics.org/2016/02/17/non-tidy-data/</a:t>
+              <a:rPr lang="en-US" sz="3200" dirty="0"/>
+              <a:t>Why might data NOT need to be tidy</a:t>
             </a:r>
           </a:p>
         </p:txBody>
       </p:sp>
     </p:spTree>
+    <p:extLst>
+      <p:ext uri="{BB962C8B-B14F-4D97-AF65-F5344CB8AC3E}">
+        <p14:creationId xmlns:p14="http://schemas.microsoft.com/office/powerpoint/2010/main" val="369776918"/>
+      </p:ext>
+    </p:extLst>
   </p:cSld>
   <p:clrMapOvr>
     <a:masterClrMapping/>
@@ -12003,10 +11907,10 @@
       </p:grpSpPr>
       <p:sp>
         <p:nvSpPr>
-          <p:cNvPr id="3" name="TextBox 2">
-            <a:extLst>
-              <a:ext uri="{FF2B5EF4-FFF2-40B4-BE49-F238E27FC236}">
-                <a16:creationId xmlns:a16="http://schemas.microsoft.com/office/drawing/2014/main" id="{81C7A794-25EC-952E-3459-951B43C9BD05}"/>
+          <p:cNvPr id="2" name="TextBox 1">
+            <a:extLst>
+              <a:ext uri="{FF2B5EF4-FFF2-40B4-BE49-F238E27FC236}">
+                <a16:creationId xmlns:a16="http://schemas.microsoft.com/office/drawing/2014/main" id="{EE808F59-D6A1-6EC7-8215-A1414DD3D939}"/>
               </a:ext>
             </a:extLst>
           </p:cNvPr>
@@ -12015,8 +11919,82 @@
         </p:nvSpPr>
         <p:spPr>
           <a:xfrm>
-            <a:off x="1746569" y="2362937"/>
-            <a:ext cx="8949937" cy="2308324"/>
+            <a:off x="4008329" y="294362"/>
+            <a:ext cx="4416274" cy="369332"/>
+          </a:xfrm>
+          <a:prstGeom prst="rect">
+            <a:avLst/>
+          </a:prstGeom>
+          <a:noFill/>
+        </p:spPr>
+        <p:txBody>
+          <a:bodyPr wrap="none" rtlCol="0">
+            <a:spAutoFit/>
+          </a:bodyPr>
+          <a:lstStyle/>
+          <a:p>
+            <a:r>
+              <a:rPr lang="en-US" dirty="0"/>
+              <a:t>Converting between wide and long formats </a:t>
+            </a:r>
+          </a:p>
+        </p:txBody>
+      </p:sp>
+      <p:sp>
+        <p:nvSpPr>
+          <p:cNvPr id="5" name="TextBox 4">
+            <a:extLst>
+              <a:ext uri="{FF2B5EF4-FFF2-40B4-BE49-F238E27FC236}">
+                <a16:creationId xmlns:a16="http://schemas.microsoft.com/office/drawing/2014/main" id="{B79559C3-A22F-1230-70F5-89B6E2C4E39A}"/>
+              </a:ext>
+            </a:extLst>
+          </p:cNvPr>
+          <p:cNvSpPr txBox="1"/>
+          <p:nvPr/>
+        </p:nvSpPr>
+        <p:spPr>
+          <a:xfrm>
+            <a:off x="753650" y="1054274"/>
+            <a:ext cx="1515928" cy="369332"/>
+          </a:xfrm>
+          <a:prstGeom prst="rect">
+            <a:avLst/>
+          </a:prstGeom>
+          <a:noFill/>
+        </p:spPr>
+        <p:txBody>
+          <a:bodyPr wrap="none" rtlCol="0">
+            <a:spAutoFit/>
+          </a:bodyPr>
+          <a:lstStyle/>
+          <a:p>
+            <a:r>
+              <a:rPr lang="en-US" dirty="0" err="1"/>
+              <a:t>pivot_longer</a:t>
+            </a:r>
+            <a:r>
+              <a:rPr lang="en-US" dirty="0"/>
+              <a:t>()</a:t>
+            </a:r>
+          </a:p>
+        </p:txBody>
+      </p:sp>
+      <p:sp>
+        <p:nvSpPr>
+          <p:cNvPr id="7" name="TextBox 6">
+            <a:extLst>
+              <a:ext uri="{FF2B5EF4-FFF2-40B4-BE49-F238E27FC236}">
+                <a16:creationId xmlns:a16="http://schemas.microsoft.com/office/drawing/2014/main" id="{D45D8B8A-91FB-510E-E86D-3BBB80461A55}"/>
+              </a:ext>
+            </a:extLst>
+          </p:cNvPr>
+          <p:cNvSpPr txBox="1"/>
+          <p:nvPr/>
+        </p:nvSpPr>
+        <p:spPr>
+          <a:xfrm>
+            <a:off x="7733257" y="6194306"/>
+            <a:ext cx="6097044" cy="369332"/>
           </a:xfrm>
           <a:prstGeom prst="rect">
             <a:avLst/>
@@ -12029,95 +12007,90 @@
           </a:bodyPr>
           <a:lstStyle/>
           <a:p>
-            <a:pPr marL="152400" indent="-152400">
-              <a:buSzPct val="123000"/>
-              <a:buChar char="•"/>
-              <a:defRPr sz="3600"/>
-            </a:pPr>
-            <a:r>
-              <a:rPr lang="en-US" sz="2400" dirty="0"/>
-              <a:t>Speed  - Some specialized data formats can be faster for specific problems/computations (gene expression matrices are an example of this) </a:t>
-            </a:r>
-          </a:p>
-          <a:p>
-            <a:pPr marL="152400" indent="-152400">
-              <a:buSzPct val="123000"/>
-              <a:buChar char="•"/>
-              <a:defRPr sz="3600"/>
-            </a:pPr>
-            <a:r>
-              <a:rPr lang="en-US" sz="2400" dirty="0"/>
-              <a:t>Field norms - some fields are used to storing data in a </a:t>
-            </a:r>
-            <a:r>
-              <a:rPr lang="en-US" sz="2400" dirty="0" err="1"/>
-              <a:t>specfic</a:t>
-            </a:r>
-            <a:r>
-              <a:rPr lang="en-US" sz="2400" dirty="0"/>
-              <a:t> way (</a:t>
-            </a:r>
-            <a:r>
-              <a:rPr lang="en-US" sz="2400" dirty="0" err="1"/>
-              <a:t>summarizedExperiment</a:t>
-            </a:r>
-            <a:r>
-              <a:rPr lang="en-US" sz="2400" dirty="0"/>
-              <a:t> in R )</a:t>
-            </a:r>
-          </a:p>
-          <a:p>
-            <a:pPr marL="152400" indent="-152400">
-              <a:buSzPct val="123000"/>
-              <a:buChar char="•"/>
-              <a:defRPr sz="3600"/>
-            </a:pPr>
-            <a:r>
-              <a:rPr lang="en-US" sz="2400" dirty="0"/>
-              <a:t>Some tools work more easily on matrices - Heatmaps </a:t>
-            </a:r>
-          </a:p>
-        </p:txBody>
-      </p:sp>
-      <p:sp>
-        <p:nvSpPr>
-          <p:cNvPr id="4" name="TextBox 3">
-            <a:extLst>
-              <a:ext uri="{FF2B5EF4-FFF2-40B4-BE49-F238E27FC236}">
-                <a16:creationId xmlns:a16="http://schemas.microsoft.com/office/drawing/2014/main" id="{04116BB3-6CD9-6461-C172-252D8F54FFC2}"/>
-              </a:ext>
-            </a:extLst>
-          </p:cNvPr>
-          <p:cNvSpPr txBox="1"/>
-          <p:nvPr/>
-        </p:nvSpPr>
-        <p:spPr>
-          <a:xfrm>
-            <a:off x="3111591" y="467069"/>
-            <a:ext cx="6690251" cy="584775"/>
-          </a:xfrm>
-          <a:prstGeom prst="rect">
-            <a:avLst/>
-          </a:prstGeom>
-          <a:noFill/>
-        </p:spPr>
-        <p:txBody>
-          <a:bodyPr wrap="square" rtlCol="0">
-            <a:spAutoFit/>
-          </a:bodyPr>
-          <a:lstStyle/>
-          <a:p>
-            <a:r>
-              <a:rPr lang="en-US" sz="3200" dirty="0"/>
-              <a:t>Why might data NOT need to be tidy</a:t>
-            </a:r>
-          </a:p>
-        </p:txBody>
-      </p:sp>
+            <a:r>
+              <a:rPr lang="en-US" dirty="0"/>
+              <a:t>https://</a:t>
+            </a:r>
+            <a:r>
+              <a:rPr lang="en-US" dirty="0" err="1"/>
+              <a:t>tidyr.tidyverse.org</a:t>
+            </a:r>
+            <a:r>
+              <a:rPr lang="en-US" dirty="0"/>
+              <a:t>/articles/</a:t>
+            </a:r>
+            <a:r>
+              <a:rPr lang="en-US" dirty="0" err="1"/>
+              <a:t>pivot.html</a:t>
+            </a:r>
+            <a:endParaRPr lang="en-US" dirty="0"/>
+          </a:p>
+        </p:txBody>
+      </p:sp>
+      <p:pic>
+        <p:nvPicPr>
+          <p:cNvPr id="8" name="Picture 7">
+            <a:extLst>
+              <a:ext uri="{FF2B5EF4-FFF2-40B4-BE49-F238E27FC236}">
+                <a16:creationId xmlns:a16="http://schemas.microsoft.com/office/drawing/2014/main" id="{127BA8B8-06AE-6E6A-8720-78F1858E5025}"/>
+              </a:ext>
+            </a:extLst>
+          </p:cNvPr>
+          <p:cNvPicPr>
+            <a:picLocks noChangeAspect="1"/>
+          </p:cNvPicPr>
+          <p:nvPr/>
+        </p:nvPicPr>
+        <p:blipFill>
+          <a:blip r:embed="rId2"/>
+          <a:stretch>
+            <a:fillRect/>
+          </a:stretch>
+        </p:blipFill>
+        <p:spPr>
+          <a:xfrm>
+            <a:off x="2591844" y="1100513"/>
+            <a:ext cx="7772400" cy="276853"/>
+          </a:xfrm>
+          <a:prstGeom prst="rect">
+            <a:avLst/>
+          </a:prstGeom>
+        </p:spPr>
+      </p:pic>
+      <p:pic>
+        <p:nvPicPr>
+          <p:cNvPr id="9" name="Picture 8">
+            <a:extLst>
+              <a:ext uri="{FF2B5EF4-FFF2-40B4-BE49-F238E27FC236}">
+                <a16:creationId xmlns:a16="http://schemas.microsoft.com/office/drawing/2014/main" id="{6E2F069F-068C-300C-AF56-3432AF4D767F}"/>
+              </a:ext>
+            </a:extLst>
+          </p:cNvPr>
+          <p:cNvPicPr>
+            <a:picLocks noChangeAspect="1"/>
+          </p:cNvPicPr>
+          <p:nvPr/>
+        </p:nvPicPr>
+        <p:blipFill>
+          <a:blip r:embed="rId3"/>
+          <a:stretch>
+            <a:fillRect/>
+          </a:stretch>
+        </p:blipFill>
+        <p:spPr>
+          <a:xfrm>
+            <a:off x="697108" y="1745292"/>
+            <a:ext cx="4612017" cy="2181618"/>
+          </a:xfrm>
+          <a:prstGeom prst="rect">
+            <a:avLst/>
+          </a:prstGeom>
+        </p:spPr>
+      </p:pic>
     </p:spTree>
     <p:extLst>
       <p:ext uri="{BB962C8B-B14F-4D97-AF65-F5344CB8AC3E}">
-        <p14:creationId xmlns:p14="http://schemas.microsoft.com/office/powerpoint/2010/main" val="369776918"/>
+        <p14:creationId xmlns:p14="http://schemas.microsoft.com/office/powerpoint/2010/main" val="2028895342"/>
       </p:ext>
     </p:extLst>
   </p:cSld>
@@ -12326,10 +12299,170 @@
           </a:prstGeom>
         </p:spPr>
       </p:pic>
+      <p:pic>
+        <p:nvPicPr>
+          <p:cNvPr id="10" name="Picture 9">
+            <a:extLst>
+              <a:ext uri="{FF2B5EF4-FFF2-40B4-BE49-F238E27FC236}">
+                <a16:creationId xmlns:a16="http://schemas.microsoft.com/office/drawing/2014/main" id="{489A0044-0EA4-60BE-B9E6-980517DA0E47}"/>
+              </a:ext>
+            </a:extLst>
+          </p:cNvPr>
+          <p:cNvPicPr>
+            <a:picLocks noChangeAspect="1"/>
+          </p:cNvPicPr>
+          <p:nvPr/>
+        </p:nvPicPr>
+        <p:blipFill>
+          <a:blip r:embed="rId4"/>
+          <a:stretch>
+            <a:fillRect/>
+          </a:stretch>
+        </p:blipFill>
+        <p:spPr>
+          <a:xfrm>
+            <a:off x="6568858" y="1704419"/>
+            <a:ext cx="2080364" cy="2220706"/>
+          </a:xfrm>
+          <a:prstGeom prst="rect">
+            <a:avLst/>
+          </a:prstGeom>
+        </p:spPr>
+      </p:pic>
+      <p:sp>
+        <p:nvSpPr>
+          <p:cNvPr id="11" name="TextBox 10">
+            <a:extLst>
+              <a:ext uri="{FF2B5EF4-FFF2-40B4-BE49-F238E27FC236}">
+                <a16:creationId xmlns:a16="http://schemas.microsoft.com/office/drawing/2014/main" id="{E6A912FF-30D2-79B4-01F1-07C981BE9D8E}"/>
+              </a:ext>
+            </a:extLst>
+          </p:cNvPr>
+          <p:cNvSpPr txBox="1"/>
+          <p:nvPr/>
+        </p:nvSpPr>
+        <p:spPr>
+          <a:xfrm>
+            <a:off x="594986" y="4294836"/>
+            <a:ext cx="4576959" cy="369332"/>
+          </a:xfrm>
+          <a:prstGeom prst="rect">
+            <a:avLst/>
+          </a:prstGeom>
+          <a:noFill/>
+        </p:spPr>
+        <p:txBody>
+          <a:bodyPr wrap="none" rtlCol="0">
+            <a:spAutoFit/>
+          </a:bodyPr>
+          <a:lstStyle/>
+          <a:p>
+            <a:r>
+              <a:rPr lang="en-US" dirty="0"/>
+              <a:t>More useful if you want to plot length vs width</a:t>
+            </a:r>
+          </a:p>
+        </p:txBody>
+      </p:sp>
+      <p:sp>
+        <p:nvSpPr>
+          <p:cNvPr id="13" name="TextBox 12">
+            <a:extLst>
+              <a:ext uri="{FF2B5EF4-FFF2-40B4-BE49-F238E27FC236}">
+                <a16:creationId xmlns:a16="http://schemas.microsoft.com/office/drawing/2014/main" id="{5E2DCCF8-1717-F444-955C-F62097346BEF}"/>
+              </a:ext>
+            </a:extLst>
+          </p:cNvPr>
+          <p:cNvSpPr txBox="1"/>
+          <p:nvPr/>
+        </p:nvSpPr>
+        <p:spPr>
+          <a:xfrm>
+            <a:off x="6330864" y="3981046"/>
+            <a:ext cx="5194948" cy="369332"/>
+          </a:xfrm>
+          <a:prstGeom prst="rect">
+            <a:avLst/>
+          </a:prstGeom>
+          <a:noFill/>
+        </p:spPr>
+        <p:txBody>
+          <a:bodyPr wrap="none" rtlCol="0">
+            <a:spAutoFit/>
+          </a:bodyPr>
+          <a:lstStyle/>
+          <a:p>
+            <a:r>
+              <a:rPr lang="en-US" dirty="0"/>
+              <a:t>More useful if you want to plot all attributes together</a:t>
+            </a:r>
+          </a:p>
+        </p:txBody>
+      </p:sp>
+      <p:pic>
+        <p:nvPicPr>
+          <p:cNvPr id="14" name="Picture 13">
+            <a:extLst>
+              <a:ext uri="{FF2B5EF4-FFF2-40B4-BE49-F238E27FC236}">
+                <a16:creationId xmlns:a16="http://schemas.microsoft.com/office/drawing/2014/main" id="{F9D1E1A7-24D9-1564-6745-23EBC52DBF63}"/>
+              </a:ext>
+            </a:extLst>
+          </p:cNvPr>
+          <p:cNvPicPr>
+            <a:picLocks noChangeAspect="1"/>
+          </p:cNvPicPr>
+          <p:nvPr/>
+        </p:nvPicPr>
+        <p:blipFill>
+          <a:blip r:embed="rId5"/>
+          <a:stretch>
+            <a:fillRect/>
+          </a:stretch>
+        </p:blipFill>
+        <p:spPr>
+          <a:xfrm>
+            <a:off x="1429340" y="4766961"/>
+            <a:ext cx="1797778" cy="1997136"/>
+          </a:xfrm>
+          <a:prstGeom prst="rect">
+            <a:avLst/>
+          </a:prstGeom>
+        </p:spPr>
+      </p:pic>
+      <p:pic>
+        <p:nvPicPr>
+          <p:cNvPr id="15" name="Picture 14">
+            <a:extLst>
+              <a:ext uri="{FF2B5EF4-FFF2-40B4-BE49-F238E27FC236}">
+                <a16:creationId xmlns:a16="http://schemas.microsoft.com/office/drawing/2014/main" id="{37AABA38-6352-FF7A-A86F-B49D58CF2110}"/>
+              </a:ext>
+            </a:extLst>
+          </p:cNvPr>
+          <p:cNvPicPr>
+            <a:picLocks noChangeAspect="1"/>
+          </p:cNvPicPr>
+          <p:nvPr/>
+        </p:nvPicPr>
+        <p:blipFill>
+          <a:blip r:embed="rId6"/>
+          <a:stretch>
+            <a:fillRect/>
+          </a:stretch>
+        </p:blipFill>
+        <p:spPr>
+          <a:xfrm>
+            <a:off x="5840849" y="4406299"/>
+            <a:ext cx="1892408" cy="2095279"/>
+          </a:xfrm>
+          <a:prstGeom prst="rect">
+            <a:avLst/>
+          </a:prstGeom>
+        </p:spPr>
+      </p:pic>
     </p:spTree>
     <p:extLst>
       <p:ext uri="{BB962C8B-B14F-4D97-AF65-F5344CB8AC3E}">
-        <p14:creationId xmlns:p14="http://schemas.microsoft.com/office/powerpoint/2010/main" val="2028895342"/>
+        <p14:creationId xmlns:p14="http://schemas.microsoft.com/office/powerpoint/2010/main" val="1766242288"/>
       </p:ext>
     </p:extLst>
   </p:cSld>
